--- a/slides/github_features.pptx
+++ b/slides/github_features.pptx
@@ -6,6 +6,7 @@
   </p:sldMasterIdLst>
   <p:sldIdLst>
     <p:sldId id="256" r:id="rId2"/>
+    <p:sldId id="257" r:id="rId3"/>
   </p:sldIdLst>
   <p:sldSz cx="9144000" cy="6858000" type="screen4x3"/>
   <p:notesSz cx="6858000" cy="9144000"/>
@@ -3155,6 +3156,103 @@
     <p:extLst>
       <p:ext uri="{BB962C8B-B14F-4D97-AF65-F5344CB8AC3E}">
         <p14:creationId xmlns:p14="http://schemas.microsoft.com/office/powerpoint/2010/main" val="1232184047"/>
+      </p:ext>
+    </p:extLst>
+  </p:cSld>
+  <p:clrMapOvr>
+    <a:masterClrMapping/>
+  </p:clrMapOvr>
+</p:sld>
+</file>
+
+<file path=ppt/slides/slide2.xml><?xml version="1.0" encoding="utf-8"?>
+<p:sld xmlns:a="http://schemas.openxmlformats.org/drawingml/2006/main" xmlns:r="http://schemas.openxmlformats.org/officeDocument/2006/relationships" xmlns:p="http://schemas.openxmlformats.org/presentationml/2006/main">
+  <p:cSld>
+    <p:spTree>
+      <p:nvGrpSpPr>
+        <p:cNvPr id="1" name=""/>
+        <p:cNvGrpSpPr/>
+        <p:nvPr/>
+      </p:nvGrpSpPr>
+      <p:grpSpPr>
+        <a:xfrm>
+          <a:off x="0" y="0"/>
+          <a:ext cx="0" cy="0"/>
+          <a:chOff x="0" y="0"/>
+          <a:chExt cx="0" cy="0"/>
+        </a:xfrm>
+      </p:grpSpPr>
+      <p:sp>
+        <p:nvSpPr>
+          <p:cNvPr id="2" name="Title 1"/>
+          <p:cNvSpPr>
+            <a:spLocks noGrp="1"/>
+          </p:cNvSpPr>
+          <p:nvPr>
+            <p:ph type="title"/>
+          </p:nvPr>
+        </p:nvSpPr>
+        <p:spPr/>
+        <p:txBody>
+          <a:bodyPr/>
+          <a:lstStyle/>
+          <a:p>
+            <a:r>
+              <a:rPr lang="en-GB" dirty="0" smtClean="0"/>
+              <a:t>Issues</a:t>
+            </a:r>
+            <a:endParaRPr lang="en-GB" dirty="0"/>
+          </a:p>
+        </p:txBody>
+      </p:sp>
+      <p:pic>
+        <p:nvPicPr>
+          <p:cNvPr id="4" name="Content Placeholder 3"/>
+          <p:cNvPicPr>
+            <a:picLocks noGrp="1" noChangeAspect="1"/>
+          </p:cNvPicPr>
+          <p:nvPr>
+            <p:ph idx="1"/>
+          </p:nvPr>
+        </p:nvPicPr>
+        <p:blipFill>
+          <a:blip r:embed="rId2" cstate="print">
+            <a:extLst>
+              <a:ext uri="{28A0092B-C50C-407E-A947-70E740481C1C}">
+                <a14:useLocalDpi xmlns:a14="http://schemas.microsoft.com/office/drawing/2010/main" val="0"/>
+              </a:ext>
+            </a:extLst>
+          </a:blip>
+          <a:stretch>
+            <a:fillRect/>
+          </a:stretch>
+        </p:blipFill>
+        <p:spPr>
+          <a:xfrm>
+            <a:off x="951230" y="1600200"/>
+            <a:ext cx="7241540" cy="4525963"/>
+          </a:xfrm>
+          <a:prstGeom prst="rect">
+            <a:avLst/>
+          </a:prstGeom>
+          <a:ln w="88900" cap="sq" cmpd="thickThin">
+            <a:solidFill>
+              <a:srgbClr val="000000"/>
+            </a:solidFill>
+            <a:prstDash val="solid"/>
+            <a:miter lim="800000"/>
+          </a:ln>
+          <a:effectLst>
+            <a:innerShdw blurRad="76200">
+              <a:srgbClr val="000000"/>
+            </a:innerShdw>
+          </a:effectLst>
+        </p:spPr>
+      </p:pic>
+    </p:spTree>
+    <p:extLst>
+      <p:ext uri="{BB962C8B-B14F-4D97-AF65-F5344CB8AC3E}">
+        <p14:creationId xmlns:p14="http://schemas.microsoft.com/office/powerpoint/2010/main" val="1230041433"/>
       </p:ext>
     </p:extLst>
   </p:cSld>

--- a/slides/github_features.pptx
+++ b/slides/github_features.pptx
@@ -4,9 +4,25 @@
   <p:sldMasterIdLst>
     <p:sldMasterId id="2147483648" r:id="rId1"/>
   </p:sldMasterIdLst>
+  <p:notesMasterIdLst>
+    <p:notesMasterId r:id="rId17"/>
+  </p:notesMasterIdLst>
   <p:sldIdLst>
     <p:sldId id="256" r:id="rId2"/>
     <p:sldId id="257" r:id="rId3"/>
+    <p:sldId id="259" r:id="rId4"/>
+    <p:sldId id="260" r:id="rId5"/>
+    <p:sldId id="262" r:id="rId6"/>
+    <p:sldId id="258" r:id="rId7"/>
+    <p:sldId id="263" r:id="rId8"/>
+    <p:sldId id="273" r:id="rId9"/>
+    <p:sldId id="264" r:id="rId10"/>
+    <p:sldId id="267" r:id="rId11"/>
+    <p:sldId id="268" r:id="rId12"/>
+    <p:sldId id="270" r:id="rId13"/>
+    <p:sldId id="271" r:id="rId14"/>
+    <p:sldId id="272" r:id="rId15"/>
+    <p:sldId id="261" r:id="rId16"/>
   </p:sldIdLst>
   <p:sldSz cx="9144000" cy="6858000" type="screen4x3"/>
   <p:notesSz cx="6858000" cy="9144000"/>
@@ -106,6 +122,501 @@
     </a:lvl9pPr>
   </p:defaultTextStyle>
 </p:presentation>
+</file>
+
+<file path=ppt/notesMasters/notesMaster1.xml><?xml version="1.0" encoding="utf-8"?>
+<p:notesMaster xmlns:a="http://schemas.openxmlformats.org/drawingml/2006/main" xmlns:r="http://schemas.openxmlformats.org/officeDocument/2006/relationships" xmlns:p="http://schemas.openxmlformats.org/presentationml/2006/main">
+  <p:cSld>
+    <p:bg>
+      <p:bgRef idx="1001">
+        <a:schemeClr val="bg1"/>
+      </p:bgRef>
+    </p:bg>
+    <p:spTree>
+      <p:nvGrpSpPr>
+        <p:cNvPr id="1" name=""/>
+        <p:cNvGrpSpPr/>
+        <p:nvPr/>
+      </p:nvGrpSpPr>
+      <p:grpSpPr>
+        <a:xfrm>
+          <a:off x="0" y="0"/>
+          <a:ext cx="0" cy="0"/>
+          <a:chOff x="0" y="0"/>
+          <a:chExt cx="0" cy="0"/>
+        </a:xfrm>
+      </p:grpSpPr>
+      <p:sp>
+        <p:nvSpPr>
+          <p:cNvPr id="2" name="Header Placeholder 1"/>
+          <p:cNvSpPr>
+            <a:spLocks noGrp="1"/>
+          </p:cNvSpPr>
+          <p:nvPr>
+            <p:ph type="hdr" sz="quarter"/>
+          </p:nvPr>
+        </p:nvSpPr>
+        <p:spPr>
+          <a:xfrm>
+            <a:off x="0" y="0"/>
+            <a:ext cx="2971800" cy="457200"/>
+          </a:xfrm>
+          <a:prstGeom prst="rect">
+            <a:avLst/>
+          </a:prstGeom>
+        </p:spPr>
+        <p:txBody>
+          <a:bodyPr vert="horz" lIns="91440" tIns="45720" rIns="91440" bIns="45720" rtlCol="0"/>
+          <a:lstStyle>
+            <a:lvl1pPr algn="l">
+              <a:defRPr sz="1200"/>
+            </a:lvl1pPr>
+          </a:lstStyle>
+          <a:p>
+            <a:endParaRPr lang="en-GB"/>
+          </a:p>
+        </p:txBody>
+      </p:sp>
+      <p:sp>
+        <p:nvSpPr>
+          <p:cNvPr id="3" name="Date Placeholder 2"/>
+          <p:cNvSpPr>
+            <a:spLocks noGrp="1"/>
+          </p:cNvSpPr>
+          <p:nvPr>
+            <p:ph type="dt" idx="1"/>
+          </p:nvPr>
+        </p:nvSpPr>
+        <p:spPr>
+          <a:xfrm>
+            <a:off x="3884613" y="0"/>
+            <a:ext cx="2971800" cy="457200"/>
+          </a:xfrm>
+          <a:prstGeom prst="rect">
+            <a:avLst/>
+          </a:prstGeom>
+        </p:spPr>
+        <p:txBody>
+          <a:bodyPr vert="horz" lIns="91440" tIns="45720" rIns="91440" bIns="45720" rtlCol="0"/>
+          <a:lstStyle>
+            <a:lvl1pPr algn="r">
+              <a:defRPr sz="1200"/>
+            </a:lvl1pPr>
+          </a:lstStyle>
+          <a:p>
+            <a:fld id="{6D6071D5-77F3-40A8-BF76-E22D825D2514}" type="datetimeFigureOut">
+              <a:rPr lang="en-GB" smtClean="0"/>
+              <a:t>28/09/2013</a:t>
+            </a:fld>
+            <a:endParaRPr lang="en-GB"/>
+          </a:p>
+        </p:txBody>
+      </p:sp>
+      <p:sp>
+        <p:nvSpPr>
+          <p:cNvPr id="4" name="Slide Image Placeholder 3"/>
+          <p:cNvSpPr>
+            <a:spLocks noGrp="1" noRot="1" noChangeAspect="1"/>
+          </p:cNvSpPr>
+          <p:nvPr>
+            <p:ph type="sldImg" idx="2"/>
+          </p:nvPr>
+        </p:nvSpPr>
+        <p:spPr>
+          <a:xfrm>
+            <a:off x="1143000" y="685800"/>
+            <a:ext cx="4572000" cy="3429000"/>
+          </a:xfrm>
+          <a:prstGeom prst="rect">
+            <a:avLst/>
+          </a:prstGeom>
+          <a:noFill/>
+          <a:ln w="12700">
+            <a:solidFill>
+              <a:prstClr val="black"/>
+            </a:solidFill>
+          </a:ln>
+        </p:spPr>
+        <p:txBody>
+          <a:bodyPr vert="horz" lIns="91440" tIns="45720" rIns="91440" bIns="45720" rtlCol="0" anchor="ctr"/>
+          <a:lstStyle/>
+          <a:p>
+            <a:endParaRPr lang="en-GB"/>
+          </a:p>
+        </p:txBody>
+      </p:sp>
+      <p:sp>
+        <p:nvSpPr>
+          <p:cNvPr id="5" name="Notes Placeholder 4"/>
+          <p:cNvSpPr>
+            <a:spLocks noGrp="1"/>
+          </p:cNvSpPr>
+          <p:nvPr>
+            <p:ph type="body" sz="quarter" idx="3"/>
+          </p:nvPr>
+        </p:nvSpPr>
+        <p:spPr>
+          <a:xfrm>
+            <a:off x="685800" y="4343400"/>
+            <a:ext cx="5486400" cy="4114800"/>
+          </a:xfrm>
+          <a:prstGeom prst="rect">
+            <a:avLst/>
+          </a:prstGeom>
+        </p:spPr>
+        <p:txBody>
+          <a:bodyPr vert="horz" lIns="91440" tIns="45720" rIns="91440" bIns="45720" rtlCol="0"/>
+          <a:lstStyle/>
+          <a:p>
+            <a:pPr lvl="0"/>
+            <a:r>
+              <a:rPr lang="en-US" smtClean="0"/>
+              <a:t>Click to edit Master text styles</a:t>
+            </a:r>
+          </a:p>
+          <a:p>
+            <a:pPr lvl="1"/>
+            <a:r>
+              <a:rPr lang="en-US" smtClean="0"/>
+              <a:t>Second level</a:t>
+            </a:r>
+          </a:p>
+          <a:p>
+            <a:pPr lvl="2"/>
+            <a:r>
+              <a:rPr lang="en-US" smtClean="0"/>
+              <a:t>Third level</a:t>
+            </a:r>
+          </a:p>
+          <a:p>
+            <a:pPr lvl="3"/>
+            <a:r>
+              <a:rPr lang="en-US" smtClean="0"/>
+              <a:t>Fourth level</a:t>
+            </a:r>
+          </a:p>
+          <a:p>
+            <a:pPr lvl="4"/>
+            <a:r>
+              <a:rPr lang="en-US" smtClean="0"/>
+              <a:t>Fifth level</a:t>
+            </a:r>
+            <a:endParaRPr lang="en-GB"/>
+          </a:p>
+        </p:txBody>
+      </p:sp>
+      <p:sp>
+        <p:nvSpPr>
+          <p:cNvPr id="6" name="Footer Placeholder 5"/>
+          <p:cNvSpPr>
+            <a:spLocks noGrp="1"/>
+          </p:cNvSpPr>
+          <p:nvPr>
+            <p:ph type="ftr" sz="quarter" idx="4"/>
+          </p:nvPr>
+        </p:nvSpPr>
+        <p:spPr>
+          <a:xfrm>
+            <a:off x="0" y="8685213"/>
+            <a:ext cx="2971800" cy="457200"/>
+          </a:xfrm>
+          <a:prstGeom prst="rect">
+            <a:avLst/>
+          </a:prstGeom>
+        </p:spPr>
+        <p:txBody>
+          <a:bodyPr vert="horz" lIns="91440" tIns="45720" rIns="91440" bIns="45720" rtlCol="0" anchor="b"/>
+          <a:lstStyle>
+            <a:lvl1pPr algn="l">
+              <a:defRPr sz="1200"/>
+            </a:lvl1pPr>
+          </a:lstStyle>
+          <a:p>
+            <a:endParaRPr lang="en-GB"/>
+          </a:p>
+        </p:txBody>
+      </p:sp>
+      <p:sp>
+        <p:nvSpPr>
+          <p:cNvPr id="7" name="Slide Number Placeholder 6"/>
+          <p:cNvSpPr>
+            <a:spLocks noGrp="1"/>
+          </p:cNvSpPr>
+          <p:nvPr>
+            <p:ph type="sldNum" sz="quarter" idx="5"/>
+          </p:nvPr>
+        </p:nvSpPr>
+        <p:spPr>
+          <a:xfrm>
+            <a:off x="3884613" y="8685213"/>
+            <a:ext cx="2971800" cy="457200"/>
+          </a:xfrm>
+          <a:prstGeom prst="rect">
+            <a:avLst/>
+          </a:prstGeom>
+        </p:spPr>
+        <p:txBody>
+          <a:bodyPr vert="horz" lIns="91440" tIns="45720" rIns="91440" bIns="45720" rtlCol="0" anchor="b"/>
+          <a:lstStyle>
+            <a:lvl1pPr algn="r">
+              <a:defRPr sz="1200"/>
+            </a:lvl1pPr>
+          </a:lstStyle>
+          <a:p>
+            <a:fld id="{35D566F8-3469-41F1-99B7-1F9AC6866378}" type="slidenum">
+              <a:rPr lang="en-GB" smtClean="0"/>
+              <a:t>‹#›</a:t>
+            </a:fld>
+            <a:endParaRPr lang="en-GB"/>
+          </a:p>
+        </p:txBody>
+      </p:sp>
+    </p:spTree>
+    <p:extLst>
+      <p:ext uri="{BB962C8B-B14F-4D97-AF65-F5344CB8AC3E}">
+        <p14:creationId xmlns:p14="http://schemas.microsoft.com/office/powerpoint/2010/main" val="1597554899"/>
+      </p:ext>
+    </p:extLst>
+  </p:cSld>
+  <p:clrMap bg1="lt1" tx1="dk1" bg2="lt2" tx2="dk2" accent1="accent1" accent2="accent2" accent3="accent3" accent4="accent4" accent5="accent5" accent6="accent6" hlink="hlink" folHlink="folHlink"/>
+  <p:notesStyle>
+    <a:lvl1pPr marL="0" algn="l" defTabSz="914400" rtl="0" eaLnBrk="1" latinLnBrk="0" hangingPunct="1">
+      <a:defRPr sz="1200" kern="1200">
+        <a:solidFill>
+          <a:schemeClr val="tx1"/>
+        </a:solidFill>
+        <a:latin typeface="+mn-lt"/>
+        <a:ea typeface="+mn-ea"/>
+        <a:cs typeface="+mn-cs"/>
+      </a:defRPr>
+    </a:lvl1pPr>
+    <a:lvl2pPr marL="457200" algn="l" defTabSz="914400" rtl="0" eaLnBrk="1" latinLnBrk="0" hangingPunct="1">
+      <a:defRPr sz="1200" kern="1200">
+        <a:solidFill>
+          <a:schemeClr val="tx1"/>
+        </a:solidFill>
+        <a:latin typeface="+mn-lt"/>
+        <a:ea typeface="+mn-ea"/>
+        <a:cs typeface="+mn-cs"/>
+      </a:defRPr>
+    </a:lvl2pPr>
+    <a:lvl3pPr marL="914400" algn="l" defTabSz="914400" rtl="0" eaLnBrk="1" latinLnBrk="0" hangingPunct="1">
+      <a:defRPr sz="1200" kern="1200">
+        <a:solidFill>
+          <a:schemeClr val="tx1"/>
+        </a:solidFill>
+        <a:latin typeface="+mn-lt"/>
+        <a:ea typeface="+mn-ea"/>
+        <a:cs typeface="+mn-cs"/>
+      </a:defRPr>
+    </a:lvl3pPr>
+    <a:lvl4pPr marL="1371600" algn="l" defTabSz="914400" rtl="0" eaLnBrk="1" latinLnBrk="0" hangingPunct="1">
+      <a:defRPr sz="1200" kern="1200">
+        <a:solidFill>
+          <a:schemeClr val="tx1"/>
+        </a:solidFill>
+        <a:latin typeface="+mn-lt"/>
+        <a:ea typeface="+mn-ea"/>
+        <a:cs typeface="+mn-cs"/>
+      </a:defRPr>
+    </a:lvl4pPr>
+    <a:lvl5pPr marL="1828800" algn="l" defTabSz="914400" rtl="0" eaLnBrk="1" latinLnBrk="0" hangingPunct="1">
+      <a:defRPr sz="1200" kern="1200">
+        <a:solidFill>
+          <a:schemeClr val="tx1"/>
+        </a:solidFill>
+        <a:latin typeface="+mn-lt"/>
+        <a:ea typeface="+mn-ea"/>
+        <a:cs typeface="+mn-cs"/>
+      </a:defRPr>
+    </a:lvl5pPr>
+    <a:lvl6pPr marL="2286000" algn="l" defTabSz="914400" rtl="0" eaLnBrk="1" latinLnBrk="0" hangingPunct="1">
+      <a:defRPr sz="1200" kern="1200">
+        <a:solidFill>
+          <a:schemeClr val="tx1"/>
+        </a:solidFill>
+        <a:latin typeface="+mn-lt"/>
+        <a:ea typeface="+mn-ea"/>
+        <a:cs typeface="+mn-cs"/>
+      </a:defRPr>
+    </a:lvl6pPr>
+    <a:lvl7pPr marL="2743200" algn="l" defTabSz="914400" rtl="0" eaLnBrk="1" latinLnBrk="0" hangingPunct="1">
+      <a:defRPr sz="1200" kern="1200">
+        <a:solidFill>
+          <a:schemeClr val="tx1"/>
+        </a:solidFill>
+        <a:latin typeface="+mn-lt"/>
+        <a:ea typeface="+mn-ea"/>
+        <a:cs typeface="+mn-cs"/>
+      </a:defRPr>
+    </a:lvl7pPr>
+    <a:lvl8pPr marL="3200400" algn="l" defTabSz="914400" rtl="0" eaLnBrk="1" latinLnBrk="0" hangingPunct="1">
+      <a:defRPr sz="1200" kern="1200">
+        <a:solidFill>
+          <a:schemeClr val="tx1"/>
+        </a:solidFill>
+        <a:latin typeface="+mn-lt"/>
+        <a:ea typeface="+mn-ea"/>
+        <a:cs typeface="+mn-cs"/>
+      </a:defRPr>
+    </a:lvl8pPr>
+    <a:lvl9pPr marL="3657600" algn="l" defTabSz="914400" rtl="0" eaLnBrk="1" latinLnBrk="0" hangingPunct="1">
+      <a:defRPr sz="1200" kern="1200">
+        <a:solidFill>
+          <a:schemeClr val="tx1"/>
+        </a:solidFill>
+        <a:latin typeface="+mn-lt"/>
+        <a:ea typeface="+mn-ea"/>
+        <a:cs typeface="+mn-cs"/>
+      </a:defRPr>
+    </a:lvl9pPr>
+  </p:notesStyle>
+</p:notesMaster>
+</file>
+
+<file path=ppt/notesSlides/notesSlide1.xml><?xml version="1.0" encoding="utf-8"?>
+<p:notes xmlns:a="http://schemas.openxmlformats.org/drawingml/2006/main" xmlns:r="http://schemas.openxmlformats.org/officeDocument/2006/relationships" xmlns:p="http://schemas.openxmlformats.org/presentationml/2006/main">
+  <p:cSld>
+    <p:spTree>
+      <p:nvGrpSpPr>
+        <p:cNvPr id="1" name=""/>
+        <p:cNvGrpSpPr/>
+        <p:nvPr/>
+      </p:nvGrpSpPr>
+      <p:grpSpPr>
+        <a:xfrm>
+          <a:off x="0" y="0"/>
+          <a:ext cx="0" cy="0"/>
+          <a:chOff x="0" y="0"/>
+          <a:chExt cx="0" cy="0"/>
+        </a:xfrm>
+      </p:grpSpPr>
+      <p:sp>
+        <p:nvSpPr>
+          <p:cNvPr id="2" name="Slide Image Placeholder 1"/>
+          <p:cNvSpPr>
+            <a:spLocks noGrp="1" noRot="1" noChangeAspect="1"/>
+          </p:cNvSpPr>
+          <p:nvPr>
+            <p:ph type="sldImg"/>
+          </p:nvPr>
+        </p:nvSpPr>
+        <p:spPr/>
+      </p:sp>
+      <p:sp>
+        <p:nvSpPr>
+          <p:cNvPr id="3" name="Notes Placeholder 2"/>
+          <p:cNvSpPr>
+            <a:spLocks noGrp="1"/>
+          </p:cNvSpPr>
+          <p:nvPr>
+            <p:ph type="body" idx="1"/>
+          </p:nvPr>
+        </p:nvSpPr>
+        <p:spPr/>
+        <p:txBody>
+          <a:bodyPr/>
+          <a:lstStyle/>
+          <a:p>
+            <a:r>
+              <a:rPr lang="en-GB" dirty="0" smtClean="0"/>
+              <a:t>Points to be made:</a:t>
+            </a:r>
+          </a:p>
+          <a:p>
+            <a:pPr marL="228600" indent="-228600">
+              <a:buAutoNum type="arabicPeriod"/>
+            </a:pPr>
+            <a:r>
+              <a:rPr lang="en-GB" dirty="0" smtClean="0"/>
+              <a:t>assign people</a:t>
+            </a:r>
+          </a:p>
+          <a:p>
+            <a:pPr marL="228600" indent="-228600">
+              <a:buAutoNum type="arabicPeriod"/>
+            </a:pPr>
+            <a:r>
+              <a:rPr lang="en-GB" dirty="0" smtClean="0"/>
+              <a:t>assign</a:t>
+            </a:r>
+            <a:r>
+              <a:rPr lang="en-GB" baseline="0" dirty="0" smtClean="0"/>
+              <a:t> milestone (more later)</a:t>
+            </a:r>
+          </a:p>
+          <a:p>
+            <a:pPr marL="228600" indent="-228600">
+              <a:buAutoNum type="arabicPeriod"/>
+            </a:pPr>
+            <a:r>
+              <a:rPr lang="en-GB" baseline="0" dirty="0" smtClean="0"/>
+              <a:t>add labels (customisable)</a:t>
+            </a:r>
+          </a:p>
+          <a:p>
+            <a:pPr marL="228600" indent="-228600">
+              <a:buAutoNum type="arabicPeriod"/>
+            </a:pPr>
+            <a:r>
+              <a:rPr lang="en-GB" baseline="0" dirty="0" smtClean="0"/>
+              <a:t>people get email notifications so long being related </a:t>
+            </a:r>
+            <a:r>
+              <a:rPr lang="en-GB" baseline="0" dirty="0" smtClean="0"/>
+              <a:t>to a given issue </a:t>
+            </a:r>
+            <a:r>
+              <a:rPr lang="en-GB" baseline="0" dirty="0" smtClean="0"/>
+              <a:t>or @mentions.</a:t>
+            </a:r>
+          </a:p>
+          <a:p>
+            <a:pPr marL="228600" indent="-228600">
+              <a:buAutoNum type="arabicPeriod"/>
+            </a:pPr>
+            <a:r>
+              <a:rPr lang="en-GB" baseline="0" dirty="0" smtClean="0"/>
+              <a:t>you can mute the notifications</a:t>
+            </a:r>
+            <a:endParaRPr lang="en-GB" dirty="0"/>
+          </a:p>
+        </p:txBody>
+      </p:sp>
+      <p:sp>
+        <p:nvSpPr>
+          <p:cNvPr id="4" name="Slide Number Placeholder 3"/>
+          <p:cNvSpPr>
+            <a:spLocks noGrp="1"/>
+          </p:cNvSpPr>
+          <p:nvPr>
+            <p:ph type="sldNum" sz="quarter" idx="10"/>
+          </p:nvPr>
+        </p:nvSpPr>
+        <p:spPr/>
+        <p:txBody>
+          <a:bodyPr/>
+          <a:lstStyle/>
+          <a:p>
+            <a:fld id="{35D566F8-3469-41F1-99B7-1F9AC6866378}" type="slidenum">
+              <a:rPr lang="en-GB" smtClean="0"/>
+              <a:t>2</a:t>
+            </a:fld>
+            <a:endParaRPr lang="en-GB"/>
+          </a:p>
+        </p:txBody>
+      </p:sp>
+    </p:spTree>
+    <p:extLst>
+      <p:ext uri="{BB962C8B-B14F-4D97-AF65-F5344CB8AC3E}">
+        <p14:creationId xmlns:p14="http://schemas.microsoft.com/office/powerpoint/2010/main" val="1480165434"/>
+      </p:ext>
+    </p:extLst>
+  </p:cSld>
+  <p:clrMapOvr>
+    <a:masterClrMapping/>
+  </p:clrMapOvr>
+</p:notes>
 </file>
 
 <file path=ppt/slideLayouts/slideLayout1.xml><?xml version="1.0" encoding="utf-8"?>
@@ -3139,16 +3650,17 @@
               <a:t>Issues, milestones, </a:t>
             </a:r>
             <a:r>
-              <a:rPr lang="en-GB" smtClean="0"/>
-              <a:t>pull requests,</a:t>
-            </a:r>
-          </a:p>
-          <a:p>
-            <a:r>
-              <a:rPr lang="en-GB" smtClean="0"/>
-              <a:t>and wiki</a:t>
-            </a:r>
-            <a:endParaRPr lang="en-GB"/>
+              <a:rPr lang="en-GB" dirty="0" smtClean="0"/>
+              <a:t>fork,</a:t>
+            </a:r>
+            <a:br>
+              <a:rPr lang="en-GB" dirty="0" smtClean="0"/>
+            </a:br>
+            <a:r>
+              <a:rPr lang="en-GB" dirty="0" smtClean="0"/>
+              <a:t>and pull requests</a:t>
+            </a:r>
+            <a:endParaRPr lang="en-GB" dirty="0"/>
           </a:p>
         </p:txBody>
       </p:sp>
@@ -3156,6 +3668,1457 @@
     <p:extLst>
       <p:ext uri="{BB962C8B-B14F-4D97-AF65-F5344CB8AC3E}">
         <p14:creationId xmlns:p14="http://schemas.microsoft.com/office/powerpoint/2010/main" val="1232184047"/>
+      </p:ext>
+    </p:extLst>
+  </p:cSld>
+  <p:clrMapOvr>
+    <a:masterClrMapping/>
+  </p:clrMapOvr>
+</p:sld>
+</file>
+
+<file path=ppt/slides/slide10.xml><?xml version="1.0" encoding="utf-8"?>
+<p:sld xmlns:a="http://schemas.openxmlformats.org/drawingml/2006/main" xmlns:r="http://schemas.openxmlformats.org/officeDocument/2006/relationships" xmlns:p="http://schemas.openxmlformats.org/presentationml/2006/main">
+  <p:cSld>
+    <p:spTree>
+      <p:nvGrpSpPr>
+        <p:cNvPr id="1" name=""/>
+        <p:cNvGrpSpPr/>
+        <p:nvPr/>
+      </p:nvGrpSpPr>
+      <p:grpSpPr>
+        <a:xfrm>
+          <a:off x="0" y="0"/>
+          <a:ext cx="0" cy="0"/>
+          <a:chOff x="0" y="0"/>
+          <a:chExt cx="0" cy="0"/>
+        </a:xfrm>
+      </p:grpSpPr>
+      <p:sp>
+        <p:nvSpPr>
+          <p:cNvPr id="2" name="Title 1"/>
+          <p:cNvSpPr>
+            <a:spLocks noGrp="1"/>
+          </p:cNvSpPr>
+          <p:nvPr>
+            <p:ph type="title"/>
+          </p:nvPr>
+        </p:nvSpPr>
+        <p:spPr/>
+        <p:txBody>
+          <a:bodyPr/>
+          <a:lstStyle/>
+          <a:p>
+            <a:r>
+              <a:rPr lang="en-GB" dirty="0"/>
+              <a:t>Fork A Repository </a:t>
+            </a:r>
+            <a:r>
+              <a:rPr lang="en-GB" dirty="0" smtClean="0"/>
+              <a:t>(2)</a:t>
+            </a:r>
+            <a:endParaRPr lang="en-GB" dirty="0"/>
+          </a:p>
+        </p:txBody>
+      </p:sp>
+      <p:sp>
+        <p:nvSpPr>
+          <p:cNvPr id="3" name="Content Placeholder 2"/>
+          <p:cNvSpPr>
+            <a:spLocks noGrp="1"/>
+          </p:cNvSpPr>
+          <p:nvPr>
+            <p:ph idx="1"/>
+          </p:nvPr>
+        </p:nvSpPr>
+        <p:spPr>
+          <a:xfrm>
+            <a:off x="439633" y="1384176"/>
+            <a:ext cx="8229600" cy="4525963"/>
+          </a:xfrm>
+        </p:spPr>
+        <p:txBody>
+          <a:bodyPr/>
+          <a:lstStyle/>
+          <a:p>
+            <a:r>
+              <a:rPr lang="en-GB" dirty="0" smtClean="0"/>
+              <a:t>Clone your fork</a:t>
+            </a:r>
+            <a:br>
+              <a:rPr lang="en-GB" dirty="0" smtClean="0"/>
+            </a:br>
+            <a:r>
+              <a:rPr lang="en-GB" dirty="0" smtClean="0"/>
+              <a:t/>
+            </a:r>
+            <a:br>
+              <a:rPr lang="en-GB" dirty="0" smtClean="0"/>
+            </a:br>
+            <a:r>
+              <a:rPr lang="en-GB" dirty="0" smtClean="0"/>
+              <a:t/>
+            </a:r>
+            <a:br>
+              <a:rPr lang="en-GB" dirty="0" smtClean="0"/>
+            </a:br>
+            <a:endParaRPr lang="en-GB" dirty="0" smtClean="0"/>
+          </a:p>
+          <a:p>
+            <a:r>
+              <a:rPr lang="en-GB" dirty="0" smtClean="0"/>
+              <a:t>Configure remotes</a:t>
+            </a:r>
+            <a:br>
+              <a:rPr lang="en-GB" dirty="0" smtClean="0"/>
+            </a:br>
+            <a:r>
+              <a:rPr lang="en-GB" dirty="0" smtClean="0"/>
+              <a:t/>
+            </a:r>
+            <a:br>
+              <a:rPr lang="en-GB" dirty="0" smtClean="0"/>
+            </a:br>
+            <a:endParaRPr lang="en-GB" dirty="0" smtClean="0"/>
+          </a:p>
+          <a:p>
+            <a:r>
+              <a:rPr lang="en-GB" dirty="0" smtClean="0"/>
+              <a:t>Pull in upstream changes</a:t>
+            </a:r>
+            <a:endParaRPr lang="en-GB" dirty="0"/>
+          </a:p>
+        </p:txBody>
+      </p:sp>
+      <p:sp>
+        <p:nvSpPr>
+          <p:cNvPr id="4" name="Rectangle 3"/>
+          <p:cNvSpPr/>
+          <p:nvPr/>
+        </p:nvSpPr>
+        <p:spPr>
+          <a:xfrm>
+            <a:off x="810016" y="2044005"/>
+            <a:ext cx="7056785" cy="1384995"/>
+          </a:xfrm>
+          <a:prstGeom prst="rect">
+            <a:avLst/>
+          </a:prstGeom>
+          <a:solidFill>
+            <a:schemeClr val="tx1"/>
+          </a:solidFill>
+        </p:spPr>
+        <p:txBody>
+          <a:bodyPr wrap="square">
+            <a:spAutoFit/>
+          </a:bodyPr>
+          <a:lstStyle/>
+          <a:p>
+            <a:r>
+              <a:rPr lang="en-GB" sz="1400" dirty="0">
+                <a:solidFill>
+                  <a:schemeClr val="accent6">
+                    <a:lumMod val="75000"/>
+                  </a:schemeClr>
+                </a:solidFill>
+                <a:latin typeface="Envy Code R" panose="02000509000000020004" pitchFamily="49" charset="0"/>
+              </a:rPr>
+              <a:t>$ git clone https://github.com/endario/Spoon-Knife.git</a:t>
+            </a:r>
+          </a:p>
+          <a:p>
+            <a:r>
+              <a:rPr lang="en-GB" sz="1400" dirty="0">
+                <a:solidFill>
+                  <a:schemeClr val="bg1"/>
+                </a:solidFill>
+                <a:latin typeface="Envy Code R" panose="02000509000000020004" pitchFamily="49" charset="0"/>
+              </a:rPr>
+              <a:t>Cloning into 'Spoon-Knife'...</a:t>
+            </a:r>
+          </a:p>
+          <a:p>
+            <a:r>
+              <a:rPr lang="en-GB" sz="1400" dirty="0">
+                <a:solidFill>
+                  <a:schemeClr val="bg1"/>
+                </a:solidFill>
+                <a:latin typeface="Envy Code R" panose="02000509000000020004" pitchFamily="49" charset="0"/>
+              </a:rPr>
+              <a:t>remote: Counting objects: 24, done.</a:t>
+            </a:r>
+          </a:p>
+          <a:p>
+            <a:r>
+              <a:rPr lang="en-GB" sz="1400" dirty="0">
+                <a:solidFill>
+                  <a:schemeClr val="bg1"/>
+                </a:solidFill>
+                <a:latin typeface="Envy Code R" panose="02000509000000020004" pitchFamily="49" charset="0"/>
+              </a:rPr>
+              <a:t>remote: Compressing objects: 100% (21/21), done.</a:t>
+            </a:r>
+          </a:p>
+          <a:p>
+            <a:r>
+              <a:rPr lang="en-GB" sz="1400" dirty="0">
+                <a:solidFill>
+                  <a:schemeClr val="bg1"/>
+                </a:solidFill>
+                <a:latin typeface="Envy Code R" panose="02000509000000020004" pitchFamily="49" charset="0"/>
+              </a:rPr>
+              <a:t>remote: Total 24 (delta 7), reused 15 (delta 1)</a:t>
+            </a:r>
+          </a:p>
+          <a:p>
+            <a:r>
+              <a:rPr lang="en-GB" sz="1400" dirty="0">
+                <a:solidFill>
+                  <a:schemeClr val="bg1"/>
+                </a:solidFill>
+                <a:latin typeface="Envy Code R" panose="02000509000000020004" pitchFamily="49" charset="0"/>
+              </a:rPr>
+              <a:t>Unpacking objects: 100% (24/24), done.</a:t>
+            </a:r>
+          </a:p>
+        </p:txBody>
+      </p:sp>
+      <p:sp>
+        <p:nvSpPr>
+          <p:cNvPr id="5" name="Rectangle 4"/>
+          <p:cNvSpPr/>
+          <p:nvPr/>
+        </p:nvSpPr>
+        <p:spPr>
+          <a:xfrm>
+            <a:off x="810016" y="4059069"/>
+            <a:ext cx="7056785" cy="954107"/>
+          </a:xfrm>
+          <a:prstGeom prst="rect">
+            <a:avLst/>
+          </a:prstGeom>
+          <a:solidFill>
+            <a:schemeClr val="tx1"/>
+          </a:solidFill>
+        </p:spPr>
+        <p:txBody>
+          <a:bodyPr wrap="square">
+            <a:spAutoFit/>
+          </a:bodyPr>
+          <a:lstStyle/>
+          <a:p>
+            <a:r>
+              <a:rPr lang="en-GB" sz="1400" dirty="0">
+                <a:solidFill>
+                  <a:schemeClr val="accent6">
+                    <a:lumMod val="75000"/>
+                  </a:schemeClr>
+                </a:solidFill>
+                <a:latin typeface="Envy Code R" panose="02000509000000020004" pitchFamily="49" charset="0"/>
+              </a:rPr>
+              <a:t>$ git remote add upstream https://github.com/octocat/Spoon-Knife.git</a:t>
+            </a:r>
+          </a:p>
+          <a:p>
+            <a:r>
+              <a:rPr lang="en-GB" sz="1400" dirty="0">
+                <a:solidFill>
+                  <a:schemeClr val="accent6">
+                    <a:lumMod val="75000"/>
+                  </a:schemeClr>
+                </a:solidFill>
+                <a:latin typeface="Envy Code R" panose="02000509000000020004" pitchFamily="49" charset="0"/>
+              </a:rPr>
+              <a:t>$ git fetch upstream</a:t>
+            </a:r>
+          </a:p>
+          <a:p>
+            <a:r>
+              <a:rPr lang="en-GB" sz="1400" dirty="0">
+                <a:solidFill>
+                  <a:schemeClr val="bg1"/>
+                </a:solidFill>
+                <a:latin typeface="Envy Code R" panose="02000509000000020004" pitchFamily="49" charset="0"/>
+              </a:rPr>
+              <a:t>From https://github.com/octocat/Spoon-Knife</a:t>
+            </a:r>
+          </a:p>
+          <a:p>
+            <a:r>
+              <a:rPr lang="en-GB" sz="1400" dirty="0">
+                <a:solidFill>
+                  <a:schemeClr val="bg1"/>
+                </a:solidFill>
+                <a:latin typeface="Envy Code R" panose="02000509000000020004" pitchFamily="49" charset="0"/>
+              </a:rPr>
+              <a:t> * [new branch]      master     -&gt; upstream/master</a:t>
+            </a:r>
+          </a:p>
+        </p:txBody>
+      </p:sp>
+      <p:sp>
+        <p:nvSpPr>
+          <p:cNvPr id="7" name="Rectangle 2"/>
+          <p:cNvSpPr>
+            <a:spLocks noChangeArrowheads="1"/>
+          </p:cNvSpPr>
+          <p:nvPr/>
+        </p:nvSpPr>
+        <p:spPr bwMode="auto">
+          <a:xfrm>
+            <a:off x="810018" y="5571237"/>
+            <a:ext cx="7056784" cy="954107"/>
+          </a:xfrm>
+          <a:prstGeom prst="rect">
+            <a:avLst/>
+          </a:prstGeom>
+          <a:solidFill>
+            <a:schemeClr val="tx1"/>
+          </a:solidFill>
+        </p:spPr>
+        <p:txBody>
+          <a:bodyPr wrap="square">
+            <a:spAutoFit/>
+          </a:bodyPr>
+          <a:lstStyle/>
+          <a:p>
+            <a:r>
+              <a:rPr lang="en-GB" sz="1400" dirty="0">
+                <a:solidFill>
+                  <a:schemeClr val="accent6">
+                    <a:lumMod val="75000"/>
+                  </a:schemeClr>
+                </a:solidFill>
+                <a:latin typeface="Envy Code R" panose="02000509000000020004" pitchFamily="49" charset="0"/>
+              </a:rPr>
+              <a:t>$ git </a:t>
+            </a:r>
+            <a:r>
+              <a:rPr lang="en-US" altLang="en-US" sz="1400" dirty="0">
+                <a:solidFill>
+                  <a:schemeClr val="accent6">
+                    <a:lumMod val="75000"/>
+                  </a:schemeClr>
+                </a:solidFill>
+                <a:latin typeface="Envy Code R" panose="02000509000000020004" pitchFamily="49" charset="0"/>
+              </a:rPr>
+              <a:t>fetch upstream</a:t>
+            </a:r>
+          </a:p>
+          <a:p>
+            <a:r>
+              <a:rPr lang="en-US" altLang="en-US" sz="1400" dirty="0">
+                <a:solidFill>
+                  <a:schemeClr val="bg1"/>
+                </a:solidFill>
+                <a:latin typeface="Envy Code R" panose="02000509000000020004" pitchFamily="49" charset="0"/>
+              </a:rPr>
+              <a:t># Fetches any new changes from the original repository</a:t>
+            </a:r>
+          </a:p>
+          <a:p>
+            <a:r>
+              <a:rPr lang="en-GB" sz="1400" dirty="0">
+                <a:solidFill>
+                  <a:schemeClr val="accent6">
+                    <a:lumMod val="75000"/>
+                  </a:schemeClr>
+                </a:solidFill>
+                <a:latin typeface="Envy Code R" panose="02000509000000020004" pitchFamily="49" charset="0"/>
+              </a:rPr>
+              <a:t>$ git </a:t>
+            </a:r>
+            <a:r>
+              <a:rPr lang="en-US" altLang="en-US" sz="1400" dirty="0">
+                <a:solidFill>
+                  <a:schemeClr val="accent6">
+                    <a:lumMod val="75000"/>
+                  </a:schemeClr>
+                </a:solidFill>
+                <a:latin typeface="Envy Code R" panose="02000509000000020004" pitchFamily="49" charset="0"/>
+              </a:rPr>
+              <a:t>merge upstream/master</a:t>
+            </a:r>
+          </a:p>
+          <a:p>
+            <a:r>
+              <a:rPr lang="en-US" altLang="en-US" sz="1400" dirty="0">
+                <a:solidFill>
+                  <a:schemeClr val="bg1"/>
+                </a:solidFill>
+                <a:latin typeface="Envy Code R" panose="02000509000000020004" pitchFamily="49" charset="0"/>
+              </a:rPr>
+              <a:t># Merges any changes fetched into your working files </a:t>
+            </a:r>
+          </a:p>
+        </p:txBody>
+      </p:sp>
+    </p:spTree>
+    <p:extLst>
+      <p:ext uri="{BB962C8B-B14F-4D97-AF65-F5344CB8AC3E}">
+        <p14:creationId xmlns:p14="http://schemas.microsoft.com/office/powerpoint/2010/main" val="1664283460"/>
+      </p:ext>
+    </p:extLst>
+  </p:cSld>
+  <p:clrMapOvr>
+    <a:masterClrMapping/>
+  </p:clrMapOvr>
+</p:sld>
+</file>
+
+<file path=ppt/slides/slide11.xml><?xml version="1.0" encoding="utf-8"?>
+<p:sld xmlns:a="http://schemas.openxmlformats.org/drawingml/2006/main" xmlns:r="http://schemas.openxmlformats.org/officeDocument/2006/relationships" xmlns:p="http://schemas.openxmlformats.org/presentationml/2006/main">
+  <p:cSld>
+    <p:spTree>
+      <p:nvGrpSpPr>
+        <p:cNvPr id="1" name=""/>
+        <p:cNvGrpSpPr/>
+        <p:nvPr/>
+      </p:nvGrpSpPr>
+      <p:grpSpPr>
+        <a:xfrm>
+          <a:off x="0" y="0"/>
+          <a:ext cx="0" cy="0"/>
+          <a:chOff x="0" y="0"/>
+          <a:chExt cx="0" cy="0"/>
+        </a:xfrm>
+      </p:grpSpPr>
+      <p:sp>
+        <p:nvSpPr>
+          <p:cNvPr id="2" name="Title 1"/>
+          <p:cNvSpPr>
+            <a:spLocks noGrp="1"/>
+          </p:cNvSpPr>
+          <p:nvPr>
+            <p:ph type="title"/>
+          </p:nvPr>
+        </p:nvSpPr>
+        <p:spPr/>
+        <p:txBody>
+          <a:bodyPr/>
+          <a:lstStyle/>
+          <a:p>
+            <a:r>
+              <a:rPr lang="en-GB" dirty="0"/>
+              <a:t>Fork A Repository </a:t>
+            </a:r>
+            <a:r>
+              <a:rPr lang="en-GB" dirty="0" smtClean="0"/>
+              <a:t>(3)</a:t>
+            </a:r>
+            <a:endParaRPr lang="en-GB" dirty="0"/>
+          </a:p>
+        </p:txBody>
+      </p:sp>
+      <p:sp>
+        <p:nvSpPr>
+          <p:cNvPr id="3" name="Content Placeholder 2"/>
+          <p:cNvSpPr>
+            <a:spLocks noGrp="1"/>
+          </p:cNvSpPr>
+          <p:nvPr>
+            <p:ph idx="1"/>
+          </p:nvPr>
+        </p:nvSpPr>
+        <p:spPr>
+          <a:xfrm>
+            <a:off x="439633" y="1384176"/>
+            <a:ext cx="8229600" cy="4525963"/>
+          </a:xfrm>
+        </p:spPr>
+        <p:txBody>
+          <a:bodyPr>
+            <a:normAutofit/>
+          </a:bodyPr>
+          <a:lstStyle/>
+          <a:p>
+            <a:r>
+              <a:rPr lang="en-GB" dirty="0"/>
+              <a:t>Create </a:t>
+            </a:r>
+            <a:r>
+              <a:rPr lang="en-GB" dirty="0" smtClean="0"/>
+              <a:t>branches</a:t>
+            </a:r>
+            <a:br>
+              <a:rPr lang="en-GB" dirty="0" smtClean="0"/>
+            </a:br>
+            <a:endParaRPr lang="en-GB" dirty="0" smtClean="0"/>
+          </a:p>
+          <a:p>
+            <a:r>
+              <a:rPr lang="en-GB" dirty="0" smtClean="0"/>
+              <a:t>Push your commits</a:t>
+            </a:r>
+            <a:endParaRPr lang="en-GB" dirty="0"/>
+          </a:p>
+        </p:txBody>
+      </p:sp>
+      <p:sp>
+        <p:nvSpPr>
+          <p:cNvPr id="4" name="Rectangle 3"/>
+          <p:cNvSpPr/>
+          <p:nvPr/>
+        </p:nvSpPr>
+        <p:spPr>
+          <a:xfrm>
+            <a:off x="810016" y="3068960"/>
+            <a:ext cx="7056785" cy="2893100"/>
+          </a:xfrm>
+          <a:prstGeom prst="rect">
+            <a:avLst/>
+          </a:prstGeom>
+          <a:solidFill>
+            <a:schemeClr val="tx1"/>
+          </a:solidFill>
+        </p:spPr>
+        <p:txBody>
+          <a:bodyPr wrap="square">
+            <a:spAutoFit/>
+          </a:bodyPr>
+          <a:lstStyle/>
+          <a:p>
+            <a:r>
+              <a:rPr lang="en-GB" sz="1400" dirty="0" smtClean="0">
+                <a:solidFill>
+                  <a:schemeClr val="accent6">
+                    <a:lumMod val="75000"/>
+                  </a:schemeClr>
+                </a:solidFill>
+                <a:latin typeface="Envy Code R" panose="02000509000000020004" pitchFamily="49" charset="0"/>
+              </a:rPr>
+              <a:t>$ </a:t>
+            </a:r>
+            <a:r>
+              <a:rPr lang="en-GB" sz="1400" dirty="0">
+                <a:solidFill>
+                  <a:schemeClr val="accent6">
+                    <a:lumMod val="75000"/>
+                  </a:schemeClr>
+                </a:solidFill>
+                <a:latin typeface="Envy Code R" panose="02000509000000020004" pitchFamily="49" charset="0"/>
+              </a:rPr>
+              <a:t>git commit -a -m 'modified index page with some colour and </a:t>
+            </a:r>
+            <a:r>
+              <a:rPr lang="en-GB" sz="1400" dirty="0" smtClean="0">
+                <a:solidFill>
+                  <a:schemeClr val="accent6">
+                    <a:lumMod val="75000"/>
+                  </a:schemeClr>
+                </a:solidFill>
+                <a:latin typeface="Envy Code R" panose="02000509000000020004" pitchFamily="49" charset="0"/>
+              </a:rPr>
+              <a:t>boldness'</a:t>
+            </a:r>
+            <a:endParaRPr lang="en-GB" sz="1400" dirty="0">
+              <a:solidFill>
+                <a:schemeClr val="accent6">
+                  <a:lumMod val="75000"/>
+                </a:schemeClr>
+              </a:solidFill>
+              <a:latin typeface="Envy Code R" panose="02000509000000020004" pitchFamily="49" charset="0"/>
+            </a:endParaRPr>
+          </a:p>
+          <a:p>
+            <a:r>
+              <a:rPr lang="en-GB" sz="1400" dirty="0">
+                <a:solidFill>
+                  <a:schemeClr val="bg1"/>
+                </a:solidFill>
+                <a:latin typeface="Envy Code R" panose="02000509000000020004" pitchFamily="49" charset="0"/>
+              </a:rPr>
+              <a:t>[master d5a7377] modified index page with some colour and boldness</a:t>
+            </a:r>
+          </a:p>
+          <a:p>
+            <a:r>
+              <a:rPr lang="en-GB" sz="1400" dirty="0">
+                <a:solidFill>
+                  <a:schemeClr val="bg1"/>
+                </a:solidFill>
+                <a:latin typeface="Envy Code R" panose="02000509000000020004" pitchFamily="49" charset="0"/>
+              </a:rPr>
+              <a:t> 1 file changed, 7 insertions(+), 1 deletion(-)</a:t>
+            </a:r>
+          </a:p>
+          <a:p>
+            <a:r>
+              <a:rPr lang="en-GB" sz="1400" dirty="0" smtClean="0">
+                <a:solidFill>
+                  <a:schemeClr val="accent6">
+                    <a:lumMod val="75000"/>
+                  </a:schemeClr>
+                </a:solidFill>
+                <a:latin typeface="Envy Code R" panose="02000509000000020004" pitchFamily="49" charset="0"/>
+              </a:rPr>
+              <a:t>$ </a:t>
+            </a:r>
+            <a:r>
+              <a:rPr lang="en-GB" sz="1400" dirty="0">
+                <a:solidFill>
+                  <a:schemeClr val="accent6">
+                    <a:lumMod val="75000"/>
+                  </a:schemeClr>
+                </a:solidFill>
+                <a:latin typeface="Envy Code R" panose="02000509000000020004" pitchFamily="49" charset="0"/>
+              </a:rPr>
+              <a:t>git </a:t>
+            </a:r>
+            <a:r>
+              <a:rPr lang="en-GB" sz="1400" dirty="0" smtClean="0">
+                <a:solidFill>
+                  <a:schemeClr val="accent6">
+                    <a:lumMod val="75000"/>
+                  </a:schemeClr>
+                </a:solidFill>
+                <a:latin typeface="Envy Code R" panose="02000509000000020004" pitchFamily="49" charset="0"/>
+              </a:rPr>
+              <a:t>push origin colour</a:t>
+            </a:r>
+            <a:endParaRPr lang="en-GB" sz="1400" dirty="0">
+              <a:solidFill>
+                <a:schemeClr val="accent6">
+                  <a:lumMod val="75000"/>
+                </a:schemeClr>
+              </a:solidFill>
+              <a:latin typeface="Envy Code R" panose="02000509000000020004" pitchFamily="49" charset="0"/>
+            </a:endParaRPr>
+          </a:p>
+          <a:p>
+            <a:r>
+              <a:rPr lang="en-GB" sz="1400" dirty="0">
+                <a:solidFill>
+                  <a:schemeClr val="bg1"/>
+                </a:solidFill>
+                <a:latin typeface="Envy Code R" panose="02000509000000020004" pitchFamily="49" charset="0"/>
+              </a:rPr>
+              <a:t>Username for 'https://github.com': </a:t>
+            </a:r>
+            <a:r>
+              <a:rPr lang="en-GB" sz="1400" dirty="0" err="1">
+                <a:solidFill>
+                  <a:schemeClr val="bg1"/>
+                </a:solidFill>
+                <a:latin typeface="Envy Code R" panose="02000509000000020004" pitchFamily="49" charset="0"/>
+              </a:rPr>
+              <a:t>endario</a:t>
+            </a:r>
+            <a:endParaRPr lang="en-GB" sz="1400" dirty="0">
+              <a:solidFill>
+                <a:schemeClr val="bg1"/>
+              </a:solidFill>
+              <a:latin typeface="Envy Code R" panose="02000509000000020004" pitchFamily="49" charset="0"/>
+            </a:endParaRPr>
+          </a:p>
+          <a:p>
+            <a:r>
+              <a:rPr lang="en-GB" sz="1400" dirty="0">
+                <a:solidFill>
+                  <a:schemeClr val="bg1"/>
+                </a:solidFill>
+                <a:latin typeface="Envy Code R" panose="02000509000000020004" pitchFamily="49" charset="0"/>
+              </a:rPr>
+              <a:t>Password for 'https://endario@github.com':</a:t>
+            </a:r>
+          </a:p>
+          <a:p>
+            <a:r>
+              <a:rPr lang="en-GB" sz="1400" dirty="0">
+                <a:solidFill>
+                  <a:schemeClr val="bg1"/>
+                </a:solidFill>
+                <a:latin typeface="Envy Code R" panose="02000509000000020004" pitchFamily="49" charset="0"/>
+              </a:rPr>
+              <a:t>Counting objects: 5, done.</a:t>
+            </a:r>
+          </a:p>
+          <a:p>
+            <a:r>
+              <a:rPr lang="en-GB" sz="1400" dirty="0">
+                <a:solidFill>
+                  <a:schemeClr val="bg1"/>
+                </a:solidFill>
+                <a:latin typeface="Envy Code R" panose="02000509000000020004" pitchFamily="49" charset="0"/>
+              </a:rPr>
+              <a:t>Delta compression using up to 4 threads.</a:t>
+            </a:r>
+          </a:p>
+          <a:p>
+            <a:r>
+              <a:rPr lang="en-GB" sz="1400" dirty="0">
+                <a:solidFill>
+                  <a:schemeClr val="bg1"/>
+                </a:solidFill>
+                <a:latin typeface="Envy Code R" panose="02000509000000020004" pitchFamily="49" charset="0"/>
+              </a:rPr>
+              <a:t>Compressing objects: 100% (3/3), done.</a:t>
+            </a:r>
+          </a:p>
+          <a:p>
+            <a:r>
+              <a:rPr lang="en-GB" sz="1400" dirty="0">
+                <a:solidFill>
+                  <a:schemeClr val="bg1"/>
+                </a:solidFill>
+                <a:latin typeface="Envy Code R" panose="02000509000000020004" pitchFamily="49" charset="0"/>
+              </a:rPr>
+              <a:t>Writing objects: 100% (3/3), 396 bytes | 0 bytes/s, done.</a:t>
+            </a:r>
+          </a:p>
+          <a:p>
+            <a:r>
+              <a:rPr lang="en-GB" sz="1400" dirty="0">
+                <a:solidFill>
+                  <a:schemeClr val="bg1"/>
+                </a:solidFill>
+                <a:latin typeface="Envy Code R" panose="02000509000000020004" pitchFamily="49" charset="0"/>
+              </a:rPr>
+              <a:t>Total 3 (delta 2), reused 0 (delta 0)</a:t>
+            </a:r>
+          </a:p>
+          <a:p>
+            <a:r>
+              <a:rPr lang="en-GB" sz="1400" dirty="0">
+                <a:solidFill>
+                  <a:schemeClr val="bg1"/>
+                </a:solidFill>
+                <a:latin typeface="Envy Code R" panose="02000509000000020004" pitchFamily="49" charset="0"/>
+              </a:rPr>
+              <a:t>To https://github.com/endario/Spoon-Knife.git</a:t>
+            </a:r>
+          </a:p>
+          <a:p>
+            <a:r>
+              <a:rPr lang="en-GB" sz="1400" dirty="0">
+                <a:solidFill>
+                  <a:schemeClr val="bg1"/>
+                </a:solidFill>
+                <a:latin typeface="Envy Code R" panose="02000509000000020004" pitchFamily="49" charset="0"/>
+              </a:rPr>
+              <a:t>   bdd3996..d5a7377  </a:t>
+            </a:r>
+            <a:r>
+              <a:rPr lang="en-GB" sz="1400" dirty="0" smtClean="0">
+                <a:solidFill>
+                  <a:schemeClr val="bg1"/>
+                </a:solidFill>
+                <a:latin typeface="Envy Code R" panose="02000509000000020004" pitchFamily="49" charset="0"/>
+              </a:rPr>
+              <a:t>colour </a:t>
+            </a:r>
+            <a:r>
+              <a:rPr lang="en-GB" sz="1400" dirty="0">
+                <a:solidFill>
+                  <a:schemeClr val="bg1"/>
+                </a:solidFill>
+                <a:latin typeface="Envy Code R" panose="02000509000000020004" pitchFamily="49" charset="0"/>
+              </a:rPr>
+              <a:t>-&gt; </a:t>
+            </a:r>
+            <a:r>
+              <a:rPr lang="en-GB" sz="1400" dirty="0" smtClean="0">
+                <a:solidFill>
+                  <a:schemeClr val="bg1"/>
+                </a:solidFill>
+                <a:latin typeface="Envy Code R" panose="02000509000000020004" pitchFamily="49" charset="0"/>
+              </a:rPr>
+              <a:t>colour</a:t>
+            </a:r>
+            <a:endParaRPr lang="en-GB" sz="1400" dirty="0">
+              <a:solidFill>
+                <a:schemeClr val="bg1"/>
+              </a:solidFill>
+              <a:latin typeface="Envy Code R" panose="02000509000000020004" pitchFamily="49" charset="0"/>
+            </a:endParaRPr>
+          </a:p>
+        </p:txBody>
+      </p:sp>
+      <p:sp>
+        <p:nvSpPr>
+          <p:cNvPr id="7" name="Rectangle 2"/>
+          <p:cNvSpPr>
+            <a:spLocks noChangeArrowheads="1"/>
+          </p:cNvSpPr>
+          <p:nvPr/>
+        </p:nvSpPr>
+        <p:spPr bwMode="auto">
+          <a:xfrm>
+            <a:off x="810018" y="2041684"/>
+            <a:ext cx="7056784" cy="523220"/>
+          </a:xfrm>
+          <a:prstGeom prst="rect">
+            <a:avLst/>
+          </a:prstGeom>
+          <a:solidFill>
+            <a:schemeClr val="tx1"/>
+          </a:solidFill>
+        </p:spPr>
+        <p:txBody>
+          <a:bodyPr wrap="square">
+            <a:spAutoFit/>
+          </a:bodyPr>
+          <a:lstStyle/>
+          <a:p>
+            <a:r>
+              <a:rPr lang="en-GB" sz="1400" dirty="0">
+                <a:solidFill>
+                  <a:schemeClr val="accent6">
+                    <a:lumMod val="75000"/>
+                  </a:schemeClr>
+                </a:solidFill>
+                <a:latin typeface="Envy Code R" panose="02000509000000020004" pitchFamily="49" charset="0"/>
+              </a:rPr>
+              <a:t>$ git </a:t>
+            </a:r>
+            <a:r>
+              <a:rPr lang="en-US" sz="1400" dirty="0" smtClean="0">
+                <a:solidFill>
+                  <a:schemeClr val="accent6">
+                    <a:lumMod val="75000"/>
+                  </a:schemeClr>
+                </a:solidFill>
+                <a:latin typeface="Envy Code R" panose="02000509000000020004" pitchFamily="49" charset="0"/>
+              </a:rPr>
+              <a:t>checkout –b </a:t>
+            </a:r>
+            <a:r>
+              <a:rPr lang="en-US" sz="1400" dirty="0" err="1" smtClean="0">
+                <a:solidFill>
+                  <a:schemeClr val="accent6">
+                    <a:lumMod val="75000"/>
+                  </a:schemeClr>
+                </a:solidFill>
+                <a:latin typeface="Envy Code R" panose="02000509000000020004" pitchFamily="49" charset="0"/>
+              </a:rPr>
+              <a:t>colour</a:t>
+            </a:r>
+            <a:endParaRPr lang="en-US" altLang="en-US" sz="1400" dirty="0">
+              <a:solidFill>
+                <a:schemeClr val="accent6">
+                  <a:lumMod val="75000"/>
+                </a:schemeClr>
+              </a:solidFill>
+              <a:latin typeface="Envy Code R" panose="02000509000000020004" pitchFamily="49" charset="0"/>
+            </a:endParaRPr>
+          </a:p>
+          <a:p>
+            <a:r>
+              <a:rPr lang="en-US" altLang="en-US" sz="1400" dirty="0" smtClean="0">
+                <a:solidFill>
+                  <a:schemeClr val="bg1"/>
+                </a:solidFill>
+                <a:latin typeface="Envy Code R" panose="02000509000000020004" pitchFamily="49" charset="0"/>
+              </a:rPr>
+              <a:t>Switched to a new branch ‘</a:t>
+            </a:r>
+            <a:r>
+              <a:rPr lang="en-US" altLang="en-US" sz="1400" dirty="0" err="1" smtClean="0">
+                <a:solidFill>
+                  <a:schemeClr val="bg1"/>
+                </a:solidFill>
+                <a:latin typeface="Envy Code R" panose="02000509000000020004" pitchFamily="49" charset="0"/>
+              </a:rPr>
+              <a:t>colour</a:t>
+            </a:r>
+            <a:r>
+              <a:rPr lang="en-US" altLang="en-US" sz="1400" dirty="0" smtClean="0">
+                <a:solidFill>
+                  <a:schemeClr val="bg1"/>
+                </a:solidFill>
+                <a:latin typeface="Envy Code R" panose="02000509000000020004" pitchFamily="49" charset="0"/>
+              </a:rPr>
+              <a:t>’</a:t>
+            </a:r>
+            <a:endParaRPr lang="en-US" altLang="en-US" sz="1400" dirty="0">
+              <a:solidFill>
+                <a:schemeClr val="bg1"/>
+              </a:solidFill>
+              <a:latin typeface="Envy Code R" panose="02000509000000020004" pitchFamily="49" charset="0"/>
+            </a:endParaRPr>
+          </a:p>
+        </p:txBody>
+      </p:sp>
+    </p:spTree>
+    <p:extLst>
+      <p:ext uri="{BB962C8B-B14F-4D97-AF65-F5344CB8AC3E}">
+        <p14:creationId xmlns:p14="http://schemas.microsoft.com/office/powerpoint/2010/main" val="3803227816"/>
+      </p:ext>
+    </p:extLst>
+  </p:cSld>
+  <p:clrMapOvr>
+    <a:masterClrMapping/>
+  </p:clrMapOvr>
+</p:sld>
+</file>
+
+<file path=ppt/slides/slide12.xml><?xml version="1.0" encoding="utf-8"?>
+<p:sld xmlns:a="http://schemas.openxmlformats.org/drawingml/2006/main" xmlns:r="http://schemas.openxmlformats.org/officeDocument/2006/relationships" xmlns:p="http://schemas.openxmlformats.org/presentationml/2006/main">
+  <p:cSld>
+    <p:spTree>
+      <p:nvGrpSpPr>
+        <p:cNvPr id="1" name=""/>
+        <p:cNvGrpSpPr/>
+        <p:nvPr/>
+      </p:nvGrpSpPr>
+      <p:grpSpPr>
+        <a:xfrm>
+          <a:off x="0" y="0"/>
+          <a:ext cx="0" cy="0"/>
+          <a:chOff x="0" y="0"/>
+          <a:chExt cx="0" cy="0"/>
+        </a:xfrm>
+      </p:grpSpPr>
+      <p:sp>
+        <p:nvSpPr>
+          <p:cNvPr id="2" name="Title 1"/>
+          <p:cNvSpPr>
+            <a:spLocks noGrp="1"/>
+          </p:cNvSpPr>
+          <p:nvPr>
+            <p:ph type="title"/>
+          </p:nvPr>
+        </p:nvSpPr>
+        <p:spPr/>
+        <p:txBody>
+          <a:bodyPr/>
+          <a:lstStyle/>
+          <a:p>
+            <a:r>
+              <a:rPr lang="en-GB" dirty="0" smtClean="0"/>
+              <a:t>Initiate a </a:t>
+            </a:r>
+            <a:r>
+              <a:rPr lang="en-GB" dirty="0"/>
+              <a:t>Pull Request</a:t>
+            </a:r>
+          </a:p>
+        </p:txBody>
+      </p:sp>
+      <p:pic>
+        <p:nvPicPr>
+          <p:cNvPr id="4" name="Content Placeholder 3"/>
+          <p:cNvPicPr>
+            <a:picLocks noGrp="1" noChangeAspect="1"/>
+          </p:cNvPicPr>
+          <p:nvPr>
+            <p:ph idx="1"/>
+          </p:nvPr>
+        </p:nvPicPr>
+        <p:blipFill>
+          <a:blip r:embed="rId2" cstate="print">
+            <a:extLst>
+              <a:ext uri="{28A0092B-C50C-407E-A947-70E740481C1C}">
+                <a14:useLocalDpi xmlns:a14="http://schemas.microsoft.com/office/drawing/2010/main" val="0"/>
+              </a:ext>
+            </a:extLst>
+          </a:blip>
+          <a:stretch>
+            <a:fillRect/>
+          </a:stretch>
+        </p:blipFill>
+        <p:spPr>
+          <a:xfrm>
+            <a:off x="951230" y="1600200"/>
+            <a:ext cx="7241540" cy="4525963"/>
+          </a:xfrm>
+          <a:prstGeom prst="rect">
+            <a:avLst/>
+          </a:prstGeom>
+          <a:ln>
+            <a:noFill/>
+          </a:ln>
+          <a:effectLst>
+            <a:softEdge rad="112500"/>
+          </a:effectLst>
+        </p:spPr>
+      </p:pic>
+      <p:sp>
+        <p:nvSpPr>
+          <p:cNvPr id="5" name="Oval 4"/>
+          <p:cNvSpPr/>
+          <p:nvPr/>
+        </p:nvSpPr>
+        <p:spPr>
+          <a:xfrm>
+            <a:off x="4932040" y="2636912"/>
+            <a:ext cx="1170072" cy="432048"/>
+          </a:xfrm>
+          <a:prstGeom prst="ellipse">
+            <a:avLst/>
+          </a:prstGeom>
+          <a:noFill/>
+          <a:ln>
+            <a:solidFill>
+              <a:schemeClr val="accent6">
+                <a:lumMod val="50000"/>
+              </a:schemeClr>
+            </a:solidFill>
+          </a:ln>
+        </p:spPr>
+        <p:style>
+          <a:lnRef idx="2">
+            <a:schemeClr val="accent1">
+              <a:shade val="50000"/>
+            </a:schemeClr>
+          </a:lnRef>
+          <a:fillRef idx="1">
+            <a:schemeClr val="accent1"/>
+          </a:fillRef>
+          <a:effectRef idx="0">
+            <a:schemeClr val="accent1"/>
+          </a:effectRef>
+          <a:fontRef idx="minor">
+            <a:schemeClr val="lt1"/>
+          </a:fontRef>
+        </p:style>
+        <p:txBody>
+          <a:bodyPr rtlCol="0" anchor="ctr"/>
+          <a:lstStyle/>
+          <a:p>
+            <a:pPr algn="ctr"/>
+            <a:endParaRPr lang="en-GB" baseline="-25000" dirty="0"/>
+          </a:p>
+        </p:txBody>
+      </p:sp>
+      <p:sp>
+        <p:nvSpPr>
+          <p:cNvPr id="6" name="Rectangle 5"/>
+          <p:cNvSpPr/>
+          <p:nvPr/>
+        </p:nvSpPr>
+        <p:spPr>
+          <a:xfrm>
+            <a:off x="647564" y="5445224"/>
+            <a:ext cx="7848872" cy="1107996"/>
+          </a:xfrm>
+          <a:prstGeom prst="rect">
+            <a:avLst/>
+          </a:prstGeom>
+        </p:spPr>
+        <p:txBody>
+          <a:bodyPr wrap="square">
+            <a:spAutoFit/>
+          </a:bodyPr>
+          <a:lstStyle/>
+          <a:p>
+            <a:pPr algn="just"/>
+            <a:r>
+              <a:rPr lang="en-GB" sz="2200" dirty="0" smtClean="0"/>
+              <a:t>Once you’ve made a few commits, you would like someone to review and merge. </a:t>
+            </a:r>
+            <a:r>
+              <a:rPr lang="en-GB" sz="2200" dirty="0"/>
+              <a:t>Navigate to your repository with the changes you want someone else to pull and press the </a:t>
+            </a:r>
+            <a:r>
+              <a:rPr lang="en-GB" sz="2200" i="1" dirty="0">
+                <a:solidFill>
+                  <a:schemeClr val="accent6">
+                    <a:lumMod val="50000"/>
+                  </a:schemeClr>
+                </a:solidFill>
+              </a:rPr>
+              <a:t>Pull Request</a:t>
+            </a:r>
+            <a:r>
+              <a:rPr lang="en-GB" sz="2200" dirty="0"/>
+              <a:t> button.</a:t>
+            </a:r>
+            <a:endParaRPr lang="en-GB" sz="2200" dirty="0"/>
+          </a:p>
+        </p:txBody>
+      </p:sp>
+    </p:spTree>
+    <p:extLst>
+      <p:ext uri="{BB962C8B-B14F-4D97-AF65-F5344CB8AC3E}">
+        <p14:creationId xmlns:p14="http://schemas.microsoft.com/office/powerpoint/2010/main" val="1010475917"/>
+      </p:ext>
+    </p:extLst>
+  </p:cSld>
+  <p:clrMapOvr>
+    <a:masterClrMapping/>
+  </p:clrMapOvr>
+</p:sld>
+</file>
+
+<file path=ppt/slides/slide13.xml><?xml version="1.0" encoding="utf-8"?>
+<p:sld xmlns:a="http://schemas.openxmlformats.org/drawingml/2006/main" xmlns:r="http://schemas.openxmlformats.org/officeDocument/2006/relationships" xmlns:p="http://schemas.openxmlformats.org/presentationml/2006/main">
+  <p:cSld>
+    <p:spTree>
+      <p:nvGrpSpPr>
+        <p:cNvPr id="1" name=""/>
+        <p:cNvGrpSpPr/>
+        <p:nvPr/>
+      </p:nvGrpSpPr>
+      <p:grpSpPr>
+        <a:xfrm>
+          <a:off x="0" y="0"/>
+          <a:ext cx="0" cy="0"/>
+          <a:chOff x="0" y="0"/>
+          <a:chExt cx="0" cy="0"/>
+        </a:xfrm>
+      </p:grpSpPr>
+      <p:sp>
+        <p:nvSpPr>
+          <p:cNvPr id="2" name="Title 1"/>
+          <p:cNvSpPr>
+            <a:spLocks noGrp="1"/>
+          </p:cNvSpPr>
+          <p:nvPr>
+            <p:ph type="title"/>
+          </p:nvPr>
+        </p:nvSpPr>
+        <p:spPr/>
+        <p:txBody>
+          <a:bodyPr/>
+          <a:lstStyle/>
+          <a:p>
+            <a:r>
+              <a:rPr lang="en-GB" dirty="0" smtClean="0"/>
+              <a:t>Review a Pull Request</a:t>
+            </a:r>
+            <a:endParaRPr lang="en-GB" dirty="0"/>
+          </a:p>
+        </p:txBody>
+      </p:sp>
+      <p:pic>
+        <p:nvPicPr>
+          <p:cNvPr id="4" name="Content Placeholder 3"/>
+          <p:cNvPicPr>
+            <a:picLocks noGrp="1" noChangeAspect="1"/>
+          </p:cNvPicPr>
+          <p:nvPr>
+            <p:ph idx="1"/>
+          </p:nvPr>
+        </p:nvPicPr>
+        <p:blipFill rotWithShape="1">
+          <a:blip r:embed="rId2" cstate="print">
+            <a:extLst>
+              <a:ext uri="{28A0092B-C50C-407E-A947-70E740481C1C}">
+                <a14:useLocalDpi xmlns:a14="http://schemas.microsoft.com/office/drawing/2010/main" val="0"/>
+              </a:ext>
+            </a:extLst>
+          </a:blip>
+          <a:srcRect l="22795" t="-1" r="26901" b="38797"/>
+          <a:stretch/>
+        </p:blipFill>
+        <p:spPr>
+          <a:xfrm>
+            <a:off x="107504" y="1602000"/>
+            <a:ext cx="4485341" cy="3822116"/>
+          </a:xfrm>
+          <a:prstGeom prst="rect">
+            <a:avLst/>
+          </a:prstGeom>
+          <a:ln>
+            <a:noFill/>
+          </a:ln>
+          <a:effectLst>
+            <a:softEdge rad="112500"/>
+          </a:effectLst>
+        </p:spPr>
+      </p:pic>
+      <p:pic>
+        <p:nvPicPr>
+          <p:cNvPr id="3" name="Picture 2"/>
+          <p:cNvPicPr>
+            <a:picLocks/>
+          </p:cNvPicPr>
+          <p:nvPr/>
+        </p:nvPicPr>
+        <p:blipFill rotWithShape="1">
+          <a:blip r:embed="rId3">
+            <a:extLst>
+              <a:ext uri="{28A0092B-C50C-407E-A947-70E740481C1C}">
+                <a14:useLocalDpi xmlns:a14="http://schemas.microsoft.com/office/drawing/2010/main" val="0"/>
+              </a:ext>
+            </a:extLst>
+          </a:blip>
+          <a:srcRect l="22302" t="24469" r="26241" b="14497"/>
+          <a:stretch/>
+        </p:blipFill>
+        <p:spPr>
+          <a:xfrm>
+            <a:off x="4612977" y="1602000"/>
+            <a:ext cx="4484492" cy="3823507"/>
+          </a:xfrm>
+          <a:prstGeom prst="rect">
+            <a:avLst/>
+          </a:prstGeom>
+          <a:ln>
+            <a:noFill/>
+          </a:ln>
+          <a:effectLst>
+            <a:softEdge rad="112500"/>
+          </a:effectLst>
+        </p:spPr>
+      </p:pic>
+      <p:sp>
+        <p:nvSpPr>
+          <p:cNvPr id="5" name="Rectangle 4"/>
+          <p:cNvSpPr/>
+          <p:nvPr/>
+        </p:nvSpPr>
+        <p:spPr>
+          <a:xfrm>
+            <a:off x="647564" y="5445224"/>
+            <a:ext cx="7848872" cy="1107996"/>
+          </a:xfrm>
+          <a:prstGeom prst="rect">
+            <a:avLst/>
+          </a:prstGeom>
+        </p:spPr>
+        <p:txBody>
+          <a:bodyPr wrap="square">
+            <a:spAutoFit/>
+          </a:bodyPr>
+          <a:lstStyle/>
+          <a:p>
+            <a:pPr algn="just"/>
+            <a:r>
+              <a:rPr lang="en-GB" sz="2200" dirty="0" smtClean="0"/>
+              <a:t>You are then presented </a:t>
+            </a:r>
+            <a:r>
+              <a:rPr lang="en-GB" sz="2200" dirty="0"/>
+              <a:t>with a review page where you can get a high-level overview of what exactly has changed between your branch and the repository's master branch. </a:t>
+            </a:r>
+            <a:endParaRPr lang="en-GB" sz="2200" dirty="0"/>
+          </a:p>
+        </p:txBody>
+      </p:sp>
+    </p:spTree>
+    <p:extLst>
+      <p:ext uri="{BB962C8B-B14F-4D97-AF65-F5344CB8AC3E}">
+        <p14:creationId xmlns:p14="http://schemas.microsoft.com/office/powerpoint/2010/main" val="3380271727"/>
+      </p:ext>
+    </p:extLst>
+  </p:cSld>
+  <p:clrMapOvr>
+    <a:masterClrMapping/>
+  </p:clrMapOvr>
+</p:sld>
+</file>
+
+<file path=ppt/slides/slide14.xml><?xml version="1.0" encoding="utf-8"?>
+<p:sld xmlns:a="http://schemas.openxmlformats.org/drawingml/2006/main" xmlns:r="http://schemas.openxmlformats.org/officeDocument/2006/relationships" xmlns:p="http://schemas.openxmlformats.org/presentationml/2006/main">
+  <p:cSld>
+    <p:spTree>
+      <p:nvGrpSpPr>
+        <p:cNvPr id="1" name=""/>
+        <p:cNvGrpSpPr/>
+        <p:nvPr/>
+      </p:nvGrpSpPr>
+      <p:grpSpPr>
+        <a:xfrm>
+          <a:off x="0" y="0"/>
+          <a:ext cx="0" cy="0"/>
+          <a:chOff x="0" y="0"/>
+          <a:chExt cx="0" cy="0"/>
+        </a:xfrm>
+      </p:grpSpPr>
+      <p:sp>
+        <p:nvSpPr>
+          <p:cNvPr id="2" name="Title 1"/>
+          <p:cNvSpPr>
+            <a:spLocks noGrp="1"/>
+          </p:cNvSpPr>
+          <p:nvPr>
+            <p:ph type="title"/>
+          </p:nvPr>
+        </p:nvSpPr>
+        <p:spPr/>
+        <p:txBody>
+          <a:bodyPr/>
+          <a:lstStyle/>
+          <a:p>
+            <a:r>
+              <a:rPr lang="en-GB" dirty="0" smtClean="0"/>
+              <a:t>Send a Pull Request</a:t>
+            </a:r>
+            <a:endParaRPr lang="en-GB" dirty="0"/>
+          </a:p>
+        </p:txBody>
+      </p:sp>
+      <p:sp>
+        <p:nvSpPr>
+          <p:cNvPr id="5" name="Rectangle 4"/>
+          <p:cNvSpPr/>
+          <p:nvPr/>
+        </p:nvSpPr>
+        <p:spPr>
+          <a:xfrm>
+            <a:off x="647564" y="5445224"/>
+            <a:ext cx="7848872" cy="1107996"/>
+          </a:xfrm>
+          <a:prstGeom prst="rect">
+            <a:avLst/>
+          </a:prstGeom>
+        </p:spPr>
+        <p:txBody>
+          <a:bodyPr wrap="square">
+            <a:spAutoFit/>
+          </a:bodyPr>
+          <a:lstStyle/>
+          <a:p>
+            <a:pPr algn="just"/>
+            <a:r>
+              <a:rPr lang="en-GB" sz="2200" dirty="0" smtClean="0"/>
+              <a:t>You are then presented </a:t>
+            </a:r>
+            <a:r>
+              <a:rPr lang="en-GB" sz="2200" dirty="0"/>
+              <a:t>with a review page where you can get a high-level overview of what exactly has changed between your branch and the repository's master branch. </a:t>
+            </a:r>
+            <a:endParaRPr lang="en-GB" sz="2200" dirty="0"/>
+          </a:p>
+        </p:txBody>
+      </p:sp>
+      <p:pic>
+        <p:nvPicPr>
+          <p:cNvPr id="7" name="Content Placeholder 3"/>
+          <p:cNvPicPr>
+            <a:picLocks noChangeAspect="1"/>
+          </p:cNvPicPr>
+          <p:nvPr/>
+        </p:nvPicPr>
+        <p:blipFill rotWithShape="1">
+          <a:blip r:embed="rId2" cstate="print">
+            <a:extLst>
+              <a:ext uri="{28A0092B-C50C-407E-A947-70E740481C1C}">
+                <a14:useLocalDpi xmlns:a14="http://schemas.microsoft.com/office/drawing/2010/main" val="0"/>
+              </a:ext>
+            </a:extLst>
+          </a:blip>
+          <a:srcRect b="15045"/>
+          <a:stretch/>
+        </p:blipFill>
+        <p:spPr>
+          <a:xfrm>
+            <a:off x="951230" y="1600200"/>
+            <a:ext cx="7241540" cy="3845024"/>
+          </a:xfrm>
+          <a:prstGeom prst="rect">
+            <a:avLst/>
+          </a:prstGeom>
+          <a:ln>
+            <a:noFill/>
+          </a:ln>
+          <a:effectLst>
+            <a:softEdge rad="112500"/>
+          </a:effectLst>
+        </p:spPr>
+      </p:pic>
+    </p:spTree>
+    <p:extLst>
+      <p:ext uri="{BB962C8B-B14F-4D97-AF65-F5344CB8AC3E}">
+        <p14:creationId xmlns:p14="http://schemas.microsoft.com/office/powerpoint/2010/main" val="1491308070"/>
+      </p:ext>
+    </p:extLst>
+  </p:cSld>
+  <p:clrMapOvr>
+    <a:masterClrMapping/>
+  </p:clrMapOvr>
+</p:sld>
+</file>
+
+<file path=ppt/slides/slide15.xml><?xml version="1.0" encoding="utf-8"?>
+<p:sld xmlns:a="http://schemas.openxmlformats.org/drawingml/2006/main" xmlns:r="http://schemas.openxmlformats.org/officeDocument/2006/relationships" xmlns:p="http://schemas.openxmlformats.org/presentationml/2006/main">
+  <p:cSld>
+    <p:spTree>
+      <p:nvGrpSpPr>
+        <p:cNvPr id="1" name=""/>
+        <p:cNvGrpSpPr/>
+        <p:nvPr/>
+      </p:nvGrpSpPr>
+      <p:grpSpPr>
+        <a:xfrm>
+          <a:off x="0" y="0"/>
+          <a:ext cx="0" cy="0"/>
+          <a:chOff x="0" y="0"/>
+          <a:chExt cx="0" cy="0"/>
+        </a:xfrm>
+      </p:grpSpPr>
+      <p:sp>
+        <p:nvSpPr>
+          <p:cNvPr id="2" name="Title 1"/>
+          <p:cNvSpPr>
+            <a:spLocks noGrp="1"/>
+          </p:cNvSpPr>
+          <p:nvPr>
+            <p:ph type="title"/>
+          </p:nvPr>
+        </p:nvSpPr>
+        <p:spPr/>
+        <p:txBody>
+          <a:bodyPr/>
+          <a:lstStyle/>
+          <a:p>
+            <a:r>
+              <a:rPr lang="en-GB" dirty="0" smtClean="0"/>
+              <a:t>Recommended Readings</a:t>
+            </a:r>
+            <a:endParaRPr lang="en-GB" dirty="0"/>
+          </a:p>
+        </p:txBody>
+      </p:sp>
+      <p:sp>
+        <p:nvSpPr>
+          <p:cNvPr id="3" name="Content Placeholder 2"/>
+          <p:cNvSpPr>
+            <a:spLocks noGrp="1"/>
+          </p:cNvSpPr>
+          <p:nvPr>
+            <p:ph idx="1"/>
+          </p:nvPr>
+        </p:nvSpPr>
+        <p:spPr/>
+        <p:txBody>
+          <a:bodyPr/>
+          <a:lstStyle/>
+          <a:p>
+            <a:r>
+              <a:rPr lang="en-GB" dirty="0"/>
+              <a:t>https://</a:t>
+            </a:r>
+            <a:r>
+              <a:rPr lang="en-GB" dirty="0" smtClean="0"/>
+              <a:t>github.com/blog/831-issues-2-0-the-next-generation</a:t>
+            </a:r>
+          </a:p>
+          <a:p>
+            <a:r>
+              <a:rPr lang="en-GB" dirty="0"/>
+              <a:t>https://</a:t>
+            </a:r>
+            <a:r>
+              <a:rPr lang="en-GB" dirty="0" smtClean="0"/>
+              <a:t>help.github.com/articles/using-pull-requests</a:t>
+            </a:r>
+          </a:p>
+          <a:p>
+            <a:r>
+              <a:rPr lang="en-GB" dirty="0"/>
+              <a:t>https://</a:t>
+            </a:r>
+            <a:r>
+              <a:rPr lang="en-GB" dirty="0" smtClean="0"/>
+              <a:t>help.github.com/articles/fork-a-repo</a:t>
+            </a:r>
+          </a:p>
+          <a:p>
+            <a:endParaRPr lang="en-GB" dirty="0" smtClean="0"/>
+          </a:p>
+          <a:p>
+            <a:endParaRPr lang="en-GB" dirty="0"/>
+          </a:p>
+        </p:txBody>
+      </p:sp>
+    </p:spTree>
+    <p:extLst>
+      <p:ext uri="{BB962C8B-B14F-4D97-AF65-F5344CB8AC3E}">
+        <p14:creationId xmlns:p14="http://schemas.microsoft.com/office/powerpoint/2010/main" val="3393517274"/>
       </p:ext>
     </p:extLst>
   </p:cSld>
@@ -3199,6 +5162,228 @@
           <a:p>
             <a:r>
               <a:rPr lang="en-GB" dirty="0" smtClean="0"/>
+              <a:t>Open a New Issues</a:t>
+            </a:r>
+            <a:endParaRPr lang="en-GB" dirty="0"/>
+          </a:p>
+        </p:txBody>
+      </p:sp>
+      <p:pic>
+        <p:nvPicPr>
+          <p:cNvPr id="4" name="Content Placeholder 3"/>
+          <p:cNvPicPr>
+            <a:picLocks noGrp="1" noChangeAspect="1"/>
+          </p:cNvPicPr>
+          <p:nvPr>
+            <p:ph idx="1"/>
+          </p:nvPr>
+        </p:nvPicPr>
+        <p:blipFill rotWithShape="1">
+          <a:blip r:embed="rId3" cstate="print">
+            <a:extLst>
+              <a:ext uri="{28A0092B-C50C-407E-A947-70E740481C1C}">
+                <a14:useLocalDpi xmlns:a14="http://schemas.microsoft.com/office/drawing/2010/main" val="0"/>
+              </a:ext>
+            </a:extLst>
+          </a:blip>
+          <a:srcRect l="13478" r="13961" b="18134"/>
+          <a:stretch/>
+        </p:blipFill>
+        <p:spPr>
+          <a:xfrm>
+            <a:off x="971549" y="1600200"/>
+            <a:ext cx="7153275" cy="5044158"/>
+          </a:xfrm>
+          <a:prstGeom prst="rect">
+            <a:avLst/>
+          </a:prstGeom>
+          <a:ln>
+            <a:noFill/>
+          </a:ln>
+          <a:effectLst>
+            <a:softEdge rad="112500"/>
+          </a:effectLst>
+        </p:spPr>
+      </p:pic>
+    </p:spTree>
+    <p:extLst>
+      <p:ext uri="{BB962C8B-B14F-4D97-AF65-F5344CB8AC3E}">
+        <p14:creationId xmlns:p14="http://schemas.microsoft.com/office/powerpoint/2010/main" val="1230041433"/>
+      </p:ext>
+    </p:extLst>
+  </p:cSld>
+  <p:clrMapOvr>
+    <a:masterClrMapping/>
+  </p:clrMapOvr>
+</p:sld>
+</file>
+
+<file path=ppt/slides/slide3.xml><?xml version="1.0" encoding="utf-8"?>
+<p:sld xmlns:a="http://schemas.openxmlformats.org/drawingml/2006/main" xmlns:r="http://schemas.openxmlformats.org/officeDocument/2006/relationships" xmlns:p="http://schemas.openxmlformats.org/presentationml/2006/main">
+  <p:cSld>
+    <p:spTree>
+      <p:nvGrpSpPr>
+        <p:cNvPr id="1" name=""/>
+        <p:cNvGrpSpPr/>
+        <p:nvPr/>
+      </p:nvGrpSpPr>
+      <p:grpSpPr>
+        <a:xfrm>
+          <a:off x="0" y="0"/>
+          <a:ext cx="0" cy="0"/>
+          <a:chOff x="0" y="0"/>
+          <a:chExt cx="0" cy="0"/>
+        </a:xfrm>
+      </p:grpSpPr>
+      <p:sp>
+        <p:nvSpPr>
+          <p:cNvPr id="2" name="Title 1"/>
+          <p:cNvSpPr>
+            <a:spLocks noGrp="1"/>
+          </p:cNvSpPr>
+          <p:nvPr>
+            <p:ph type="title"/>
+          </p:nvPr>
+        </p:nvSpPr>
+        <p:spPr/>
+        <p:txBody>
+          <a:bodyPr/>
+          <a:lstStyle/>
+          <a:p>
+            <a:r>
+              <a:rPr lang="en-GB" dirty="0" smtClean="0"/>
+              <a:t>Closing &amp; Re-Opening an Issue</a:t>
+            </a:r>
+            <a:endParaRPr lang="en-GB" dirty="0"/>
+          </a:p>
+        </p:txBody>
+      </p:sp>
+      <p:pic>
+        <p:nvPicPr>
+          <p:cNvPr id="6" name="Content Placeholder 5"/>
+          <p:cNvPicPr>
+            <a:picLocks noGrp="1" noChangeAspect="1"/>
+          </p:cNvPicPr>
+          <p:nvPr>
+            <p:ph idx="1"/>
+          </p:nvPr>
+        </p:nvPicPr>
+        <p:blipFill rotWithShape="1">
+          <a:blip r:embed="rId2" cstate="print">
+            <a:extLst>
+              <a:ext uri="{28A0092B-C50C-407E-A947-70E740481C1C}">
+                <a14:useLocalDpi xmlns:a14="http://schemas.microsoft.com/office/drawing/2010/main" val="0"/>
+              </a:ext>
+            </a:extLst>
+          </a:blip>
+          <a:srcRect l="13244" r="13785"/>
+          <a:stretch/>
+        </p:blipFill>
+        <p:spPr>
+          <a:xfrm>
+            <a:off x="851148" y="1600201"/>
+            <a:ext cx="4152900" cy="3556992"/>
+          </a:xfrm>
+          <a:prstGeom prst="rect">
+            <a:avLst/>
+          </a:prstGeom>
+          <a:ln>
+            <a:noFill/>
+          </a:ln>
+          <a:effectLst>
+            <a:softEdge rad="112500"/>
+          </a:effectLst>
+        </p:spPr>
+      </p:pic>
+      <p:pic>
+        <p:nvPicPr>
+          <p:cNvPr id="8" name="Content Placeholder 3"/>
+          <p:cNvPicPr>
+            <a:picLocks noChangeAspect="1"/>
+          </p:cNvPicPr>
+          <p:nvPr/>
+        </p:nvPicPr>
+        <p:blipFill>
+          <a:blip r:embed="rId3">
+            <a:extLst>
+              <a:ext uri="{28A0092B-C50C-407E-A947-70E740481C1C}">
+                <a14:useLocalDpi xmlns:a14="http://schemas.microsoft.com/office/drawing/2010/main" val="0"/>
+              </a:ext>
+            </a:extLst>
+          </a:blip>
+          <a:stretch>
+            <a:fillRect/>
+          </a:stretch>
+        </p:blipFill>
+        <p:spPr>
+          <a:xfrm>
+            <a:off x="5004048" y="4192284"/>
+            <a:ext cx="3723878" cy="2234327"/>
+          </a:xfrm>
+          <a:prstGeom prst="rect">
+            <a:avLst/>
+          </a:prstGeom>
+          <a:ln>
+            <a:noFill/>
+          </a:ln>
+          <a:effectLst>
+            <a:softEdge rad="112500"/>
+          </a:effectLst>
+        </p:spPr>
+      </p:pic>
+    </p:spTree>
+    <p:extLst>
+      <p:ext uri="{BB962C8B-B14F-4D97-AF65-F5344CB8AC3E}">
+        <p14:creationId xmlns:p14="http://schemas.microsoft.com/office/powerpoint/2010/main" val="1739558496"/>
+      </p:ext>
+    </p:extLst>
+  </p:cSld>
+  <p:clrMapOvr>
+    <a:masterClrMapping/>
+  </p:clrMapOvr>
+</p:sld>
+</file>
+
+<file path=ppt/slides/slide4.xml><?xml version="1.0" encoding="utf-8"?>
+<p:sld xmlns:a="http://schemas.openxmlformats.org/drawingml/2006/main" xmlns:r="http://schemas.openxmlformats.org/officeDocument/2006/relationships" xmlns:p="http://schemas.openxmlformats.org/presentationml/2006/main">
+  <p:cSld>
+    <p:spTree>
+      <p:nvGrpSpPr>
+        <p:cNvPr id="1" name=""/>
+        <p:cNvGrpSpPr/>
+        <p:nvPr/>
+      </p:nvGrpSpPr>
+      <p:grpSpPr>
+        <a:xfrm>
+          <a:off x="0" y="0"/>
+          <a:ext cx="0" cy="0"/>
+          <a:chOff x="0" y="0"/>
+          <a:chExt cx="0" cy="0"/>
+        </a:xfrm>
+      </p:grpSpPr>
+      <p:sp>
+        <p:nvSpPr>
+          <p:cNvPr id="2" name="Title 1"/>
+          <p:cNvSpPr>
+            <a:spLocks noGrp="1"/>
+          </p:cNvSpPr>
+          <p:nvPr>
+            <p:ph type="title"/>
+          </p:nvPr>
+        </p:nvSpPr>
+        <p:spPr/>
+        <p:txBody>
+          <a:bodyPr>
+            <a:normAutofit/>
+          </a:bodyPr>
+          <a:lstStyle/>
+          <a:p>
+            <a:r>
+              <a:rPr lang="en-GB" dirty="0"/>
+              <a:t>Navigating </a:t>
+            </a:r>
+            <a:r>
+              <a:rPr lang="en-GB" dirty="0" smtClean="0"/>
               <a:t>Issues</a:t>
             </a:r>
             <a:endParaRPr lang="en-GB" dirty="0"/>
@@ -3229,30 +5414,1006 @@
         </p:blipFill>
         <p:spPr>
           <a:xfrm>
-            <a:off x="951230" y="1600200"/>
-            <a:ext cx="7241540" cy="4525963"/>
+            <a:off x="475200" y="1340768"/>
+            <a:ext cx="8193600" cy="11567436"/>
           </a:xfrm>
           <a:prstGeom prst="rect">
             <a:avLst/>
           </a:prstGeom>
-          <a:ln w="88900" cap="sq" cmpd="thickThin">
-            <a:solidFill>
-              <a:srgbClr val="000000"/>
-            </a:solidFill>
-            <a:prstDash val="solid"/>
-            <a:miter lim="800000"/>
+          <a:ln>
+            <a:noFill/>
           </a:ln>
           <a:effectLst>
-            <a:innerShdw blurRad="76200">
-              <a:srgbClr val="000000"/>
-            </a:innerShdw>
+            <a:softEdge rad="112500"/>
           </a:effectLst>
         </p:spPr>
       </p:pic>
     </p:spTree>
     <p:extLst>
       <p:ext uri="{BB962C8B-B14F-4D97-AF65-F5344CB8AC3E}">
-        <p14:creationId xmlns:p14="http://schemas.microsoft.com/office/powerpoint/2010/main" val="1230041433"/>
+        <p14:creationId xmlns:p14="http://schemas.microsoft.com/office/powerpoint/2010/main" val="3481324254"/>
+      </p:ext>
+    </p:extLst>
+  </p:cSld>
+  <p:clrMapOvr>
+    <a:masterClrMapping/>
+  </p:clrMapOvr>
+</p:sld>
+</file>
+
+<file path=ppt/slides/slide5.xml><?xml version="1.0" encoding="utf-8"?>
+<p:sld xmlns:a="http://schemas.openxmlformats.org/drawingml/2006/main" xmlns:r="http://schemas.openxmlformats.org/officeDocument/2006/relationships" xmlns:p="http://schemas.openxmlformats.org/presentationml/2006/main">
+  <p:cSld>
+    <p:spTree>
+      <p:nvGrpSpPr>
+        <p:cNvPr id="1" name=""/>
+        <p:cNvGrpSpPr/>
+        <p:nvPr/>
+      </p:nvGrpSpPr>
+      <p:grpSpPr>
+        <a:xfrm>
+          <a:off x="0" y="0"/>
+          <a:ext cx="0" cy="0"/>
+          <a:chOff x="0" y="0"/>
+          <a:chExt cx="0" cy="0"/>
+        </a:xfrm>
+      </p:grpSpPr>
+      <p:sp>
+        <p:nvSpPr>
+          <p:cNvPr id="2" name="Title 1"/>
+          <p:cNvSpPr>
+            <a:spLocks noGrp="1"/>
+          </p:cNvSpPr>
+          <p:nvPr>
+            <p:ph type="title"/>
+          </p:nvPr>
+        </p:nvSpPr>
+        <p:spPr>
+          <a:xfrm>
+            <a:off x="457200" y="274638"/>
+            <a:ext cx="8229600" cy="1143000"/>
+          </a:xfrm>
+        </p:spPr>
+        <p:txBody>
+          <a:bodyPr/>
+          <a:lstStyle/>
+          <a:p>
+            <a:r>
+              <a:rPr lang="en-GB" dirty="0" smtClean="0"/>
+              <a:t>Working with Issues (1)</a:t>
+            </a:r>
+            <a:endParaRPr lang="en-GB" dirty="0"/>
+          </a:p>
+        </p:txBody>
+      </p:sp>
+      <p:pic>
+        <p:nvPicPr>
+          <p:cNvPr id="4" name="Content Placeholder 3"/>
+          <p:cNvPicPr>
+            <a:picLocks noGrp="1" noChangeAspect="1"/>
+          </p:cNvPicPr>
+          <p:nvPr>
+            <p:ph idx="1"/>
+          </p:nvPr>
+        </p:nvPicPr>
+        <p:blipFill>
+          <a:blip r:embed="rId2">
+            <a:extLst>
+              <a:ext uri="{28A0092B-C50C-407E-A947-70E740481C1C}">
+                <a14:useLocalDpi xmlns:a14="http://schemas.microsoft.com/office/drawing/2010/main" val="0"/>
+              </a:ext>
+            </a:extLst>
+          </a:blip>
+          <a:stretch>
+            <a:fillRect/>
+          </a:stretch>
+        </p:blipFill>
+        <p:spPr>
+          <a:xfrm>
+            <a:off x="683568" y="1602000"/>
+            <a:ext cx="4320000" cy="1536000"/>
+          </a:xfrm>
+          <a:prstGeom prst="rect">
+            <a:avLst/>
+          </a:prstGeom>
+          <a:ln>
+            <a:noFill/>
+          </a:ln>
+          <a:effectLst>
+            <a:softEdge rad="112500"/>
+          </a:effectLst>
+        </p:spPr>
+      </p:pic>
+      <p:pic>
+        <p:nvPicPr>
+          <p:cNvPr id="5" name="Picture 4"/>
+          <p:cNvPicPr>
+            <a:picLocks noChangeAspect="1"/>
+          </p:cNvPicPr>
+          <p:nvPr/>
+        </p:nvPicPr>
+        <p:blipFill>
+          <a:blip r:embed="rId3">
+            <a:extLst>
+              <a:ext uri="{28A0092B-C50C-407E-A947-70E740481C1C}">
+                <a14:useLocalDpi xmlns:a14="http://schemas.microsoft.com/office/drawing/2010/main" val="0"/>
+              </a:ext>
+            </a:extLst>
+          </a:blip>
+          <a:stretch>
+            <a:fillRect/>
+          </a:stretch>
+        </p:blipFill>
+        <p:spPr>
+          <a:xfrm>
+            <a:off x="683568" y="4862980"/>
+            <a:ext cx="4320000" cy="1600007"/>
+          </a:xfrm>
+          <a:prstGeom prst="rect">
+            <a:avLst/>
+          </a:prstGeom>
+          <a:ln>
+            <a:noFill/>
+          </a:ln>
+          <a:effectLst>
+            <a:softEdge rad="112500"/>
+          </a:effectLst>
+        </p:spPr>
+      </p:pic>
+      <p:pic>
+        <p:nvPicPr>
+          <p:cNvPr id="6" name="Picture 5"/>
+          <p:cNvPicPr>
+            <a:picLocks noChangeAspect="1"/>
+          </p:cNvPicPr>
+          <p:nvPr/>
+        </p:nvPicPr>
+        <p:blipFill>
+          <a:blip r:embed="rId4">
+            <a:extLst>
+              <a:ext uri="{28A0092B-C50C-407E-A947-70E740481C1C}">
+                <a14:useLocalDpi xmlns:a14="http://schemas.microsoft.com/office/drawing/2010/main" val="0"/>
+              </a:ext>
+            </a:extLst>
+          </a:blip>
+          <a:stretch>
+            <a:fillRect/>
+          </a:stretch>
+        </p:blipFill>
+        <p:spPr>
+          <a:xfrm>
+            <a:off x="4067944" y="3100490"/>
+            <a:ext cx="4320000" cy="1800000"/>
+          </a:xfrm>
+          <a:prstGeom prst="rect">
+            <a:avLst/>
+          </a:prstGeom>
+          <a:ln>
+            <a:noFill/>
+          </a:ln>
+          <a:effectLst>
+            <a:softEdge rad="112500"/>
+          </a:effectLst>
+        </p:spPr>
+      </p:pic>
+      <p:sp>
+        <p:nvSpPr>
+          <p:cNvPr id="7" name="Rectangle 6"/>
+          <p:cNvSpPr/>
+          <p:nvPr/>
+        </p:nvSpPr>
+        <p:spPr>
+          <a:xfrm>
+            <a:off x="5003566" y="1847726"/>
+            <a:ext cx="3384377" cy="954107"/>
+          </a:xfrm>
+          <a:prstGeom prst="rect">
+            <a:avLst/>
+          </a:prstGeom>
+        </p:spPr>
+        <p:txBody>
+          <a:bodyPr wrap="square">
+            <a:spAutoFit/>
+          </a:bodyPr>
+          <a:lstStyle/>
+          <a:p>
+            <a:pPr marL="342900" indent="-342900">
+              <a:buFont typeface="Arial" panose="020B0604020202020204" pitchFamily="34" charset="0"/>
+              <a:buChar char="•"/>
+            </a:pPr>
+            <a:r>
+              <a:rPr lang="en-GB" sz="2800" dirty="0" smtClean="0"/>
+              <a:t>Filter by labels, milestones, etc.</a:t>
+            </a:r>
+            <a:endParaRPr lang="en-GB" sz="2800" dirty="0"/>
+          </a:p>
+        </p:txBody>
+      </p:sp>
+      <p:sp>
+        <p:nvSpPr>
+          <p:cNvPr id="8" name="Rectangle 7"/>
+          <p:cNvSpPr/>
+          <p:nvPr/>
+        </p:nvSpPr>
+        <p:spPr>
+          <a:xfrm>
+            <a:off x="683568" y="3307992"/>
+            <a:ext cx="3389603" cy="1384995"/>
+          </a:xfrm>
+          <a:prstGeom prst="rect">
+            <a:avLst/>
+          </a:prstGeom>
+        </p:spPr>
+        <p:txBody>
+          <a:bodyPr wrap="square">
+            <a:spAutoFit/>
+          </a:bodyPr>
+          <a:lstStyle/>
+          <a:p>
+            <a:pPr marL="342900" indent="-342900">
+              <a:buFont typeface="Arial" panose="020B0604020202020204" pitchFamily="34" charset="0"/>
+              <a:buChar char="•"/>
+            </a:pPr>
+            <a:r>
+              <a:rPr lang="en-GB" sz="2800" dirty="0"/>
+              <a:t>Mass-editing: close, reopen, add labels, assign to </a:t>
+            </a:r>
+            <a:r>
+              <a:rPr lang="en-GB" sz="2800" dirty="0" smtClean="0"/>
+              <a:t>users, etc.</a:t>
+            </a:r>
+            <a:endParaRPr lang="en-GB" sz="2800" dirty="0"/>
+          </a:p>
+        </p:txBody>
+      </p:sp>
+      <p:sp>
+        <p:nvSpPr>
+          <p:cNvPr id="9" name="Rectangle 8"/>
+          <p:cNvSpPr/>
+          <p:nvPr/>
+        </p:nvSpPr>
+        <p:spPr>
+          <a:xfrm>
+            <a:off x="4998340" y="4970485"/>
+            <a:ext cx="3389603" cy="1384995"/>
+          </a:xfrm>
+          <a:prstGeom prst="rect">
+            <a:avLst/>
+          </a:prstGeom>
+        </p:spPr>
+        <p:txBody>
+          <a:bodyPr wrap="square">
+            <a:spAutoFit/>
+          </a:bodyPr>
+          <a:lstStyle/>
+          <a:p>
+            <a:pPr marL="342900" indent="-342900">
+              <a:buFont typeface="Arial" panose="020B0604020202020204" pitchFamily="34" charset="0"/>
+              <a:buChar char="•"/>
+            </a:pPr>
+            <a:r>
+              <a:rPr lang="en-GB" sz="2800" dirty="0" smtClean="0"/>
+              <a:t>Quick-search as you type, or open full search.</a:t>
+            </a:r>
+            <a:endParaRPr lang="en-GB" sz="2800" dirty="0"/>
+          </a:p>
+        </p:txBody>
+      </p:sp>
+    </p:spTree>
+    <p:extLst>
+      <p:ext uri="{BB962C8B-B14F-4D97-AF65-F5344CB8AC3E}">
+        <p14:creationId xmlns:p14="http://schemas.microsoft.com/office/powerpoint/2010/main" val="1042877927"/>
+      </p:ext>
+    </p:extLst>
+  </p:cSld>
+  <p:clrMapOvr>
+    <a:masterClrMapping/>
+  </p:clrMapOvr>
+</p:sld>
+</file>
+
+<file path=ppt/slides/slide6.xml><?xml version="1.0" encoding="utf-8"?>
+<p:sld xmlns:a="http://schemas.openxmlformats.org/drawingml/2006/main" xmlns:r="http://schemas.openxmlformats.org/officeDocument/2006/relationships" xmlns:p="http://schemas.openxmlformats.org/presentationml/2006/main">
+  <p:cSld>
+    <p:spTree>
+      <p:nvGrpSpPr>
+        <p:cNvPr id="1" name=""/>
+        <p:cNvGrpSpPr/>
+        <p:nvPr/>
+      </p:nvGrpSpPr>
+      <p:grpSpPr>
+        <a:xfrm>
+          <a:off x="0" y="0"/>
+          <a:ext cx="0" cy="0"/>
+          <a:chOff x="0" y="0"/>
+          <a:chExt cx="0" cy="0"/>
+        </a:xfrm>
+      </p:grpSpPr>
+      <p:sp>
+        <p:nvSpPr>
+          <p:cNvPr id="2" name="Title 1"/>
+          <p:cNvSpPr>
+            <a:spLocks noGrp="1"/>
+          </p:cNvSpPr>
+          <p:nvPr>
+            <p:ph type="title"/>
+          </p:nvPr>
+        </p:nvSpPr>
+        <p:spPr/>
+        <p:txBody>
+          <a:bodyPr/>
+          <a:lstStyle/>
+          <a:p>
+            <a:r>
+              <a:rPr lang="en-GB" dirty="0"/>
+              <a:t>Working with Issues </a:t>
+            </a:r>
+            <a:r>
+              <a:rPr lang="en-GB" dirty="0" smtClean="0"/>
+              <a:t>(2)</a:t>
+            </a:r>
+            <a:endParaRPr lang="en-GB" dirty="0"/>
+          </a:p>
+        </p:txBody>
+      </p:sp>
+      <p:pic>
+        <p:nvPicPr>
+          <p:cNvPr id="4" name="Content Placeholder 3"/>
+          <p:cNvPicPr>
+            <a:picLocks noGrp="1" noChangeAspect="1"/>
+          </p:cNvPicPr>
+          <p:nvPr>
+            <p:ph idx="1"/>
+          </p:nvPr>
+        </p:nvPicPr>
+        <p:blipFill>
+          <a:blip r:embed="rId2">
+            <a:extLst>
+              <a:ext uri="{28A0092B-C50C-407E-A947-70E740481C1C}">
+                <a14:useLocalDpi xmlns:a14="http://schemas.microsoft.com/office/drawing/2010/main" val="0"/>
+              </a:ext>
+            </a:extLst>
+          </a:blip>
+          <a:stretch>
+            <a:fillRect/>
+          </a:stretch>
+        </p:blipFill>
+        <p:spPr>
+          <a:xfrm>
+            <a:off x="4703603" y="1602000"/>
+            <a:ext cx="3960000" cy="4131256"/>
+          </a:xfrm>
+          <a:prstGeom prst="rect">
+            <a:avLst/>
+          </a:prstGeom>
+          <a:ln>
+            <a:noFill/>
+          </a:ln>
+          <a:effectLst>
+            <a:softEdge rad="112500"/>
+          </a:effectLst>
+        </p:spPr>
+      </p:pic>
+      <p:pic>
+        <p:nvPicPr>
+          <p:cNvPr id="3" name="Picture 2"/>
+          <p:cNvPicPr>
+            <a:picLocks/>
+          </p:cNvPicPr>
+          <p:nvPr/>
+        </p:nvPicPr>
+        <p:blipFill>
+          <a:blip r:embed="rId3">
+            <a:extLst>
+              <a:ext uri="{28A0092B-C50C-407E-A947-70E740481C1C}">
+                <a14:useLocalDpi xmlns:a14="http://schemas.microsoft.com/office/drawing/2010/main" val="0"/>
+              </a:ext>
+            </a:extLst>
+          </a:blip>
+          <a:stretch>
+            <a:fillRect/>
+          </a:stretch>
+        </p:blipFill>
+        <p:spPr>
+          <a:xfrm>
+            <a:off x="467544" y="1602004"/>
+            <a:ext cx="3960000" cy="1466956"/>
+          </a:xfrm>
+          <a:prstGeom prst="rect">
+            <a:avLst/>
+          </a:prstGeom>
+          <a:ln>
+            <a:noFill/>
+          </a:ln>
+          <a:effectLst>
+            <a:softEdge rad="112500"/>
+          </a:effectLst>
+        </p:spPr>
+      </p:pic>
+      <p:pic>
+        <p:nvPicPr>
+          <p:cNvPr id="5" name="Picture 4"/>
+          <p:cNvPicPr>
+            <a:picLocks noChangeAspect="1"/>
+          </p:cNvPicPr>
+          <p:nvPr/>
+        </p:nvPicPr>
+        <p:blipFill>
+          <a:blip r:embed="rId4">
+            <a:extLst>
+              <a:ext uri="{28A0092B-C50C-407E-A947-70E740481C1C}">
+                <a14:useLocalDpi xmlns:a14="http://schemas.microsoft.com/office/drawing/2010/main" val="0"/>
+              </a:ext>
+            </a:extLst>
+          </a:blip>
+          <a:stretch>
+            <a:fillRect/>
+          </a:stretch>
+        </p:blipFill>
+        <p:spPr>
+          <a:xfrm>
+            <a:off x="467544" y="4149080"/>
+            <a:ext cx="3960000" cy="1584176"/>
+          </a:xfrm>
+          <a:prstGeom prst="rect">
+            <a:avLst/>
+          </a:prstGeom>
+          <a:ln>
+            <a:noFill/>
+          </a:ln>
+          <a:effectLst>
+            <a:softEdge rad="112500"/>
+          </a:effectLst>
+        </p:spPr>
+      </p:pic>
+      <p:sp>
+        <p:nvSpPr>
+          <p:cNvPr id="6" name="Rectangle 5"/>
+          <p:cNvSpPr/>
+          <p:nvPr/>
+        </p:nvSpPr>
+        <p:spPr>
+          <a:xfrm>
+            <a:off x="4644008" y="5858108"/>
+            <a:ext cx="4104456" cy="523220"/>
+          </a:xfrm>
+          <a:prstGeom prst="rect">
+            <a:avLst/>
+          </a:prstGeom>
+        </p:spPr>
+        <p:txBody>
+          <a:bodyPr wrap="square">
+            <a:spAutoFit/>
+          </a:bodyPr>
+          <a:lstStyle/>
+          <a:p>
+            <a:pPr marL="342900" indent="-342900" algn="ctr">
+              <a:buFont typeface="Arial" panose="020B0604020202020204" pitchFamily="34" charset="0"/>
+              <a:buChar char="•"/>
+            </a:pPr>
+            <a:r>
+              <a:rPr lang="en-GB" sz="2800" dirty="0" smtClean="0"/>
+              <a:t>Reply by email</a:t>
+            </a:r>
+            <a:endParaRPr lang="en-GB" sz="2800" dirty="0"/>
+          </a:p>
+        </p:txBody>
+      </p:sp>
+      <p:sp>
+        <p:nvSpPr>
+          <p:cNvPr id="7" name="Rectangle 6"/>
+          <p:cNvSpPr/>
+          <p:nvPr/>
+        </p:nvSpPr>
+        <p:spPr>
+          <a:xfrm>
+            <a:off x="395316" y="5858108"/>
+            <a:ext cx="4104456" cy="523220"/>
+          </a:xfrm>
+          <a:prstGeom prst="rect">
+            <a:avLst/>
+          </a:prstGeom>
+        </p:spPr>
+        <p:txBody>
+          <a:bodyPr wrap="square">
+            <a:spAutoFit/>
+          </a:bodyPr>
+          <a:lstStyle/>
+          <a:p>
+            <a:pPr marL="342900" indent="-342900">
+              <a:buFont typeface="Arial" panose="020B0604020202020204" pitchFamily="34" charset="0"/>
+              <a:buChar char="•"/>
+            </a:pPr>
+            <a:r>
+              <a:rPr lang="en-GB" sz="2800" dirty="0" smtClean="0"/>
+              <a:t>close issue using commit</a:t>
+            </a:r>
+            <a:endParaRPr lang="en-GB" sz="2800" dirty="0"/>
+          </a:p>
+        </p:txBody>
+      </p:sp>
+      <p:sp>
+        <p:nvSpPr>
+          <p:cNvPr id="8" name="Oval 7"/>
+          <p:cNvSpPr/>
+          <p:nvPr/>
+        </p:nvSpPr>
+        <p:spPr>
+          <a:xfrm>
+            <a:off x="1403648" y="4176000"/>
+            <a:ext cx="648072" cy="216024"/>
+          </a:xfrm>
+          <a:prstGeom prst="ellipse">
+            <a:avLst/>
+          </a:prstGeom>
+          <a:noFill/>
+          <a:ln>
+            <a:solidFill>
+              <a:schemeClr val="accent6">
+                <a:lumMod val="50000"/>
+              </a:schemeClr>
+            </a:solidFill>
+          </a:ln>
+        </p:spPr>
+        <p:style>
+          <a:lnRef idx="2">
+            <a:schemeClr val="accent1">
+              <a:shade val="50000"/>
+            </a:schemeClr>
+          </a:lnRef>
+          <a:fillRef idx="1">
+            <a:schemeClr val="accent1"/>
+          </a:fillRef>
+          <a:effectRef idx="0">
+            <a:schemeClr val="accent1"/>
+          </a:effectRef>
+          <a:fontRef idx="minor">
+            <a:schemeClr val="lt1"/>
+          </a:fontRef>
+        </p:style>
+        <p:txBody>
+          <a:bodyPr rtlCol="0" anchor="ctr"/>
+          <a:lstStyle/>
+          <a:p>
+            <a:pPr algn="ctr"/>
+            <a:endParaRPr lang="en-GB" baseline="-25000" dirty="0"/>
+          </a:p>
+        </p:txBody>
+      </p:sp>
+      <p:sp>
+        <p:nvSpPr>
+          <p:cNvPr id="9" name="Oval 8"/>
+          <p:cNvSpPr/>
+          <p:nvPr/>
+        </p:nvSpPr>
+        <p:spPr>
+          <a:xfrm>
+            <a:off x="3203848" y="1656000"/>
+            <a:ext cx="288032" cy="216024"/>
+          </a:xfrm>
+          <a:prstGeom prst="ellipse">
+            <a:avLst/>
+          </a:prstGeom>
+          <a:noFill/>
+          <a:ln>
+            <a:solidFill>
+              <a:schemeClr val="accent6">
+                <a:lumMod val="50000"/>
+              </a:schemeClr>
+            </a:solidFill>
+          </a:ln>
+        </p:spPr>
+        <p:style>
+          <a:lnRef idx="2">
+            <a:schemeClr val="accent1">
+              <a:shade val="50000"/>
+            </a:schemeClr>
+          </a:lnRef>
+          <a:fillRef idx="1">
+            <a:schemeClr val="accent1"/>
+          </a:fillRef>
+          <a:effectRef idx="0">
+            <a:schemeClr val="accent1"/>
+          </a:effectRef>
+          <a:fontRef idx="minor">
+            <a:schemeClr val="lt1"/>
+          </a:fontRef>
+        </p:style>
+        <p:txBody>
+          <a:bodyPr rtlCol="0" anchor="ctr"/>
+          <a:lstStyle/>
+          <a:p>
+            <a:pPr algn="ctr"/>
+            <a:endParaRPr lang="en-GB" baseline="-25000" dirty="0"/>
+          </a:p>
+        </p:txBody>
+      </p:sp>
+      <p:sp>
+        <p:nvSpPr>
+          <p:cNvPr id="10" name="Rectangle 9"/>
+          <p:cNvSpPr/>
+          <p:nvPr/>
+        </p:nvSpPr>
+        <p:spPr>
+          <a:xfrm>
+            <a:off x="395316" y="3140968"/>
+            <a:ext cx="4104456" cy="954107"/>
+          </a:xfrm>
+          <a:prstGeom prst="rect">
+            <a:avLst/>
+          </a:prstGeom>
+        </p:spPr>
+        <p:txBody>
+          <a:bodyPr wrap="square">
+            <a:spAutoFit/>
+          </a:bodyPr>
+          <a:lstStyle/>
+          <a:p>
+            <a:pPr marL="342900" indent="-342900">
+              <a:buFont typeface="Arial" panose="020B0604020202020204" pitchFamily="34" charset="0"/>
+              <a:buChar char="•"/>
+            </a:pPr>
+            <a:r>
+              <a:rPr lang="en-GB" sz="2800" dirty="0"/>
+              <a:t>reference an issue </a:t>
+            </a:r>
+            <a:r>
+              <a:rPr lang="en-GB" sz="2800" dirty="0" smtClean="0"/>
+              <a:t>from </a:t>
+            </a:r>
+            <a:r>
+              <a:rPr lang="en-GB" sz="2800" dirty="0"/>
+              <a:t>a commit message</a:t>
+            </a:r>
+            <a:endParaRPr lang="en-GB" sz="2800" dirty="0"/>
+          </a:p>
+        </p:txBody>
+      </p:sp>
+    </p:spTree>
+    <p:extLst>
+      <p:ext uri="{BB962C8B-B14F-4D97-AF65-F5344CB8AC3E}">
+        <p14:creationId xmlns:p14="http://schemas.microsoft.com/office/powerpoint/2010/main" val="551111097"/>
+      </p:ext>
+    </p:extLst>
+  </p:cSld>
+  <p:clrMapOvr>
+    <a:masterClrMapping/>
+  </p:clrMapOvr>
+</p:sld>
+</file>
+
+<file path=ppt/slides/slide7.xml><?xml version="1.0" encoding="utf-8"?>
+<p:sld xmlns:a="http://schemas.openxmlformats.org/drawingml/2006/main" xmlns:r="http://schemas.openxmlformats.org/officeDocument/2006/relationships" xmlns:p="http://schemas.openxmlformats.org/presentationml/2006/main">
+  <p:cSld>
+    <p:spTree>
+      <p:nvGrpSpPr>
+        <p:cNvPr id="1" name=""/>
+        <p:cNvGrpSpPr/>
+        <p:nvPr/>
+      </p:nvGrpSpPr>
+      <p:grpSpPr>
+        <a:xfrm>
+          <a:off x="0" y="0"/>
+          <a:ext cx="0" cy="0"/>
+          <a:chOff x="0" y="0"/>
+          <a:chExt cx="0" cy="0"/>
+        </a:xfrm>
+      </p:grpSpPr>
+      <p:sp>
+        <p:nvSpPr>
+          <p:cNvPr id="2" name="Title 1"/>
+          <p:cNvSpPr>
+            <a:spLocks noGrp="1"/>
+          </p:cNvSpPr>
+          <p:nvPr>
+            <p:ph type="title"/>
+          </p:nvPr>
+        </p:nvSpPr>
+        <p:spPr/>
+        <p:txBody>
+          <a:bodyPr/>
+          <a:lstStyle/>
+          <a:p>
+            <a:r>
+              <a:rPr lang="en-GB" dirty="0" smtClean="0"/>
+              <a:t>Create a New Milestone</a:t>
+            </a:r>
+            <a:endParaRPr lang="en-GB" dirty="0"/>
+          </a:p>
+        </p:txBody>
+      </p:sp>
+      <p:pic>
+        <p:nvPicPr>
+          <p:cNvPr id="4" name="Content Placeholder 3"/>
+          <p:cNvPicPr>
+            <a:picLocks noGrp="1" noChangeAspect="1"/>
+          </p:cNvPicPr>
+          <p:nvPr>
+            <p:ph idx="1"/>
+          </p:nvPr>
+        </p:nvPicPr>
+        <p:blipFill rotWithShape="1">
+          <a:blip r:embed="rId2" cstate="print">
+            <a:extLst>
+              <a:ext uri="{28A0092B-C50C-407E-A947-70E740481C1C}">
+                <a14:useLocalDpi xmlns:a14="http://schemas.microsoft.com/office/drawing/2010/main" val="0"/>
+              </a:ext>
+            </a:extLst>
+          </a:blip>
+          <a:srcRect l="13367" r="13913" b="25710"/>
+          <a:stretch/>
+        </p:blipFill>
+        <p:spPr>
+          <a:xfrm>
+            <a:off x="742950" y="1600200"/>
+            <a:ext cx="7600950" cy="4853136"/>
+          </a:xfrm>
+          <a:prstGeom prst="rect">
+            <a:avLst/>
+          </a:prstGeom>
+          <a:ln>
+            <a:noFill/>
+          </a:ln>
+          <a:effectLst>
+            <a:softEdge rad="112500"/>
+          </a:effectLst>
+        </p:spPr>
+      </p:pic>
+    </p:spTree>
+    <p:extLst>
+      <p:ext uri="{BB962C8B-B14F-4D97-AF65-F5344CB8AC3E}">
+        <p14:creationId xmlns:p14="http://schemas.microsoft.com/office/powerpoint/2010/main" val="533227541"/>
+      </p:ext>
+    </p:extLst>
+  </p:cSld>
+  <p:clrMapOvr>
+    <a:masterClrMapping/>
+  </p:clrMapOvr>
+</p:sld>
+</file>
+
+<file path=ppt/slides/slide8.xml><?xml version="1.0" encoding="utf-8"?>
+<p:sld xmlns:a="http://schemas.openxmlformats.org/drawingml/2006/main" xmlns:r="http://schemas.openxmlformats.org/officeDocument/2006/relationships" xmlns:p="http://schemas.openxmlformats.org/presentationml/2006/main">
+  <p:cSld>
+    <p:spTree>
+      <p:nvGrpSpPr>
+        <p:cNvPr id="1" name=""/>
+        <p:cNvGrpSpPr/>
+        <p:nvPr/>
+      </p:nvGrpSpPr>
+      <p:grpSpPr>
+        <a:xfrm>
+          <a:off x="0" y="0"/>
+          <a:ext cx="0" cy="0"/>
+          <a:chOff x="0" y="0"/>
+          <a:chExt cx="0" cy="0"/>
+        </a:xfrm>
+      </p:grpSpPr>
+      <p:sp>
+        <p:nvSpPr>
+          <p:cNvPr id="2" name="Title 1"/>
+          <p:cNvSpPr>
+            <a:spLocks noGrp="1"/>
+          </p:cNvSpPr>
+          <p:nvPr>
+            <p:ph type="title"/>
+          </p:nvPr>
+        </p:nvSpPr>
+        <p:spPr/>
+        <p:txBody>
+          <a:bodyPr/>
+          <a:lstStyle/>
+          <a:p>
+            <a:r>
+              <a:rPr lang="en-GB" dirty="0" smtClean="0"/>
+              <a:t>View Milestones</a:t>
+            </a:r>
+            <a:endParaRPr lang="en-GB" dirty="0"/>
+          </a:p>
+        </p:txBody>
+      </p:sp>
+      <p:pic>
+        <p:nvPicPr>
+          <p:cNvPr id="4" name="Content Placeholder 3"/>
+          <p:cNvPicPr>
+            <a:picLocks noGrp="1" noChangeAspect="1"/>
+          </p:cNvPicPr>
+          <p:nvPr>
+            <p:ph idx="1"/>
+          </p:nvPr>
+        </p:nvPicPr>
+        <p:blipFill rotWithShape="1">
+          <a:blip r:embed="rId2" cstate="print">
+            <a:extLst>
+              <a:ext uri="{28A0092B-C50C-407E-A947-70E740481C1C}">
+                <a14:useLocalDpi xmlns:a14="http://schemas.microsoft.com/office/drawing/2010/main" val="0"/>
+              </a:ext>
+            </a:extLst>
+          </a:blip>
+          <a:srcRect l="20679" r="20184" b="42126"/>
+          <a:stretch/>
+        </p:blipFill>
+        <p:spPr>
+          <a:xfrm>
+            <a:off x="638175" y="1600200"/>
+            <a:ext cx="7934325" cy="4853136"/>
+          </a:xfrm>
+          <a:prstGeom prst="rect">
+            <a:avLst/>
+          </a:prstGeom>
+          <a:ln>
+            <a:noFill/>
+          </a:ln>
+          <a:effectLst>
+            <a:softEdge rad="112500"/>
+          </a:effectLst>
+        </p:spPr>
+      </p:pic>
+    </p:spTree>
+    <p:extLst>
+      <p:ext uri="{BB962C8B-B14F-4D97-AF65-F5344CB8AC3E}">
+        <p14:creationId xmlns:p14="http://schemas.microsoft.com/office/powerpoint/2010/main" val="318540255"/>
+      </p:ext>
+    </p:extLst>
+  </p:cSld>
+  <p:clrMapOvr>
+    <a:masterClrMapping/>
+  </p:clrMapOvr>
+</p:sld>
+</file>
+
+<file path=ppt/slides/slide9.xml><?xml version="1.0" encoding="utf-8"?>
+<p:sld xmlns:a="http://schemas.openxmlformats.org/drawingml/2006/main" xmlns:r="http://schemas.openxmlformats.org/officeDocument/2006/relationships" xmlns:p="http://schemas.openxmlformats.org/presentationml/2006/main">
+  <p:cSld>
+    <p:spTree>
+      <p:nvGrpSpPr>
+        <p:cNvPr id="1" name=""/>
+        <p:cNvGrpSpPr/>
+        <p:nvPr/>
+      </p:nvGrpSpPr>
+      <p:grpSpPr>
+        <a:xfrm>
+          <a:off x="0" y="0"/>
+          <a:ext cx="0" cy="0"/>
+          <a:chOff x="0" y="0"/>
+          <a:chExt cx="0" cy="0"/>
+        </a:xfrm>
+      </p:grpSpPr>
+      <p:sp>
+        <p:nvSpPr>
+          <p:cNvPr id="2" name="Title 1"/>
+          <p:cNvSpPr>
+            <a:spLocks noGrp="1"/>
+          </p:cNvSpPr>
+          <p:nvPr>
+            <p:ph type="title"/>
+          </p:nvPr>
+        </p:nvSpPr>
+        <p:spPr/>
+        <p:txBody>
+          <a:bodyPr/>
+          <a:lstStyle/>
+          <a:p>
+            <a:r>
+              <a:rPr lang="en-GB" dirty="0" smtClean="0"/>
+              <a:t>Fork A Repository (1)</a:t>
+            </a:r>
+            <a:endParaRPr lang="en-GB" dirty="0"/>
+          </a:p>
+        </p:txBody>
+      </p:sp>
+      <p:sp>
+        <p:nvSpPr>
+          <p:cNvPr id="6" name="Content Placeholder 5"/>
+          <p:cNvSpPr>
+            <a:spLocks noGrp="1"/>
+          </p:cNvSpPr>
+          <p:nvPr>
+            <p:ph idx="1"/>
+          </p:nvPr>
+        </p:nvSpPr>
+        <p:spPr/>
+        <p:txBody>
+          <a:bodyPr>
+            <a:normAutofit/>
+          </a:bodyPr>
+          <a:lstStyle/>
+          <a:p>
+            <a:r>
+              <a:rPr lang="en-GB" sz="2800" dirty="0" smtClean="0"/>
+              <a:t>Forks are higher level ‘branches’ allowing isolated development on a collaborative project.</a:t>
+            </a:r>
+            <a:endParaRPr lang="en-GB" sz="2800" dirty="0"/>
+          </a:p>
+        </p:txBody>
+      </p:sp>
+      <p:pic>
+        <p:nvPicPr>
+          <p:cNvPr id="7" name="Picture 6"/>
+          <p:cNvPicPr>
+            <a:picLocks noChangeAspect="1"/>
+          </p:cNvPicPr>
+          <p:nvPr/>
+        </p:nvPicPr>
+        <p:blipFill rotWithShape="1">
+          <a:blip r:embed="rId2">
+            <a:extLst>
+              <a:ext uri="{28A0092B-C50C-407E-A947-70E740481C1C}">
+                <a14:useLocalDpi xmlns:a14="http://schemas.microsoft.com/office/drawing/2010/main" val="0"/>
+              </a:ext>
+            </a:extLst>
+          </a:blip>
+          <a:srcRect l="14360" r="14653" b="34908"/>
+          <a:stretch/>
+        </p:blipFill>
+        <p:spPr>
+          <a:xfrm>
+            <a:off x="928275" y="2636912"/>
+            <a:ext cx="7287451" cy="4176464"/>
+          </a:xfrm>
+          <a:prstGeom prst="rect">
+            <a:avLst/>
+          </a:prstGeom>
+          <a:ln>
+            <a:noFill/>
+          </a:ln>
+          <a:effectLst>
+            <a:softEdge rad="112500"/>
+          </a:effectLst>
+        </p:spPr>
+      </p:pic>
+      <p:sp>
+        <p:nvSpPr>
+          <p:cNvPr id="8" name="Oval 7"/>
+          <p:cNvSpPr/>
+          <p:nvPr/>
+        </p:nvSpPr>
+        <p:spPr>
+          <a:xfrm>
+            <a:off x="6876256" y="2898000"/>
+            <a:ext cx="1170072" cy="432048"/>
+          </a:xfrm>
+          <a:prstGeom prst="ellipse">
+            <a:avLst/>
+          </a:prstGeom>
+          <a:noFill/>
+          <a:ln>
+            <a:solidFill>
+              <a:schemeClr val="accent6">
+                <a:lumMod val="50000"/>
+              </a:schemeClr>
+            </a:solidFill>
+          </a:ln>
+        </p:spPr>
+        <p:style>
+          <a:lnRef idx="2">
+            <a:schemeClr val="accent1">
+              <a:shade val="50000"/>
+            </a:schemeClr>
+          </a:lnRef>
+          <a:fillRef idx="1">
+            <a:schemeClr val="accent1"/>
+          </a:fillRef>
+          <a:effectRef idx="0">
+            <a:schemeClr val="accent1"/>
+          </a:effectRef>
+          <a:fontRef idx="minor">
+            <a:schemeClr val="lt1"/>
+          </a:fontRef>
+        </p:style>
+        <p:txBody>
+          <a:bodyPr rtlCol="0" anchor="ctr"/>
+          <a:lstStyle/>
+          <a:p>
+            <a:pPr algn="ctr"/>
+            <a:endParaRPr lang="en-GB" baseline="-25000" dirty="0"/>
+          </a:p>
+        </p:txBody>
+      </p:sp>
+    </p:spTree>
+    <p:extLst>
+      <p:ext uri="{BB962C8B-B14F-4D97-AF65-F5344CB8AC3E}">
+        <p14:creationId xmlns:p14="http://schemas.microsoft.com/office/powerpoint/2010/main" val="2710255407"/>
       </p:ext>
     </p:extLst>
   </p:cSld>
@@ -3545,4 +6706,289 @@
   <a:objectDefaults/>
   <a:extraClrSchemeLst/>
 </a:theme>
+</file>
+
+<file path=ppt/theme/theme2.xml><?xml version="1.0" encoding="utf-8"?>
+<a:theme xmlns:a="http://schemas.openxmlformats.org/drawingml/2006/main" name="Office Theme">
+  <a:themeElements>
+    <a:clrScheme name="Office">
+      <a:dk1>
+        <a:sysClr val="windowText" lastClr="000000"/>
+      </a:dk1>
+      <a:lt1>
+        <a:sysClr val="window" lastClr="FFFFFF"/>
+      </a:lt1>
+      <a:dk2>
+        <a:srgbClr val="1F497D"/>
+      </a:dk2>
+      <a:lt2>
+        <a:srgbClr val="EEECE1"/>
+      </a:lt2>
+      <a:accent1>
+        <a:srgbClr val="4F81BD"/>
+      </a:accent1>
+      <a:accent2>
+        <a:srgbClr val="C0504D"/>
+      </a:accent2>
+      <a:accent3>
+        <a:srgbClr val="9BBB59"/>
+      </a:accent3>
+      <a:accent4>
+        <a:srgbClr val="8064A2"/>
+      </a:accent4>
+      <a:accent5>
+        <a:srgbClr val="4BACC6"/>
+      </a:accent5>
+      <a:accent6>
+        <a:srgbClr val="F79646"/>
+      </a:accent6>
+      <a:hlink>
+        <a:srgbClr val="0000FF"/>
+      </a:hlink>
+      <a:folHlink>
+        <a:srgbClr val="800080"/>
+      </a:folHlink>
+    </a:clrScheme>
+    <a:fontScheme name="Office">
+      <a:majorFont>
+        <a:latin typeface="Calibri"/>
+        <a:ea typeface=""/>
+        <a:cs typeface=""/>
+        <a:font script="Jpan" typeface="ＭＳ Ｐゴシック"/>
+        <a:font script="Hang" typeface="맑은 고딕"/>
+        <a:font script="Hans" typeface="宋体"/>
+        <a:font script="Hant" typeface="新細明體"/>
+        <a:font script="Arab" typeface="Times New Roman"/>
+        <a:font script="Hebr" typeface="Times New Roman"/>
+        <a:font script="Thai" typeface="Angsana New"/>
+        <a:font script="Ethi" typeface="Nyala"/>
+        <a:font script="Beng" typeface="Vrinda"/>
+        <a:font script="Gujr" typeface="Shruti"/>
+        <a:font script="Khmr" typeface="MoolBoran"/>
+        <a:font script="Knda" typeface="Tunga"/>
+        <a:font script="Guru" typeface="Raavi"/>
+        <a:font script="Cans" typeface="Euphemia"/>
+        <a:font script="Cher" typeface="Plantagenet Cherokee"/>
+        <a:font script="Yiii" typeface="Microsoft Yi Baiti"/>
+        <a:font script="Tibt" typeface="Microsoft Himalaya"/>
+        <a:font script="Thaa" typeface="MV Boli"/>
+        <a:font script="Deva" typeface="Mangal"/>
+        <a:font script="Telu" typeface="Gautami"/>
+        <a:font script="Taml" typeface="Latha"/>
+        <a:font script="Syrc" typeface="Estrangelo Edessa"/>
+        <a:font script="Orya" typeface="Kalinga"/>
+        <a:font script="Mlym" typeface="Kartika"/>
+        <a:font script="Laoo" typeface="DokChampa"/>
+        <a:font script="Sinh" typeface="Iskoola Pota"/>
+        <a:font script="Mong" typeface="Mongolian Baiti"/>
+        <a:font script="Viet" typeface="Times New Roman"/>
+        <a:font script="Uigh" typeface="Microsoft Uighur"/>
+        <a:font script="Geor" typeface="Sylfaen"/>
+      </a:majorFont>
+      <a:minorFont>
+        <a:latin typeface="Calibri"/>
+        <a:ea typeface=""/>
+        <a:cs typeface=""/>
+        <a:font script="Jpan" typeface="ＭＳ Ｐゴシック"/>
+        <a:font script="Hang" typeface="맑은 고딕"/>
+        <a:font script="Hans" typeface="宋体"/>
+        <a:font script="Hant" typeface="新細明體"/>
+        <a:font script="Arab" typeface="Arial"/>
+        <a:font script="Hebr" typeface="Arial"/>
+        <a:font script="Thai" typeface="Cordia New"/>
+        <a:font script="Ethi" typeface="Nyala"/>
+        <a:font script="Beng" typeface="Vrinda"/>
+        <a:font script="Gujr" typeface="Shruti"/>
+        <a:font script="Khmr" typeface="DaunPenh"/>
+        <a:font script="Knda" typeface="Tunga"/>
+        <a:font script="Guru" typeface="Raavi"/>
+        <a:font script="Cans" typeface="Euphemia"/>
+        <a:font script="Cher" typeface="Plantagenet Cherokee"/>
+        <a:font script="Yiii" typeface="Microsoft Yi Baiti"/>
+        <a:font script="Tibt" typeface="Microsoft Himalaya"/>
+        <a:font script="Thaa" typeface="MV Boli"/>
+        <a:font script="Deva" typeface="Mangal"/>
+        <a:font script="Telu" typeface="Gautami"/>
+        <a:font script="Taml" typeface="Latha"/>
+        <a:font script="Syrc" typeface="Estrangelo Edessa"/>
+        <a:font script="Orya" typeface="Kalinga"/>
+        <a:font script="Mlym" typeface="Kartika"/>
+        <a:font script="Laoo" typeface="DokChampa"/>
+        <a:font script="Sinh" typeface="Iskoola Pota"/>
+        <a:font script="Mong" typeface="Mongolian Baiti"/>
+        <a:font script="Viet" typeface="Arial"/>
+        <a:font script="Uigh" typeface="Microsoft Uighur"/>
+        <a:font script="Geor" typeface="Sylfaen"/>
+      </a:minorFont>
+    </a:fontScheme>
+    <a:fmtScheme name="Office">
+      <a:fillStyleLst>
+        <a:solidFill>
+          <a:schemeClr val="phClr"/>
+        </a:solidFill>
+        <a:gradFill rotWithShape="1">
+          <a:gsLst>
+            <a:gs pos="0">
+              <a:schemeClr val="phClr">
+                <a:tint val="50000"/>
+                <a:satMod val="300000"/>
+              </a:schemeClr>
+            </a:gs>
+            <a:gs pos="35000">
+              <a:schemeClr val="phClr">
+                <a:tint val="37000"/>
+                <a:satMod val="300000"/>
+              </a:schemeClr>
+            </a:gs>
+            <a:gs pos="100000">
+              <a:schemeClr val="phClr">
+                <a:tint val="15000"/>
+                <a:satMod val="350000"/>
+              </a:schemeClr>
+            </a:gs>
+          </a:gsLst>
+          <a:lin ang="16200000" scaled="1"/>
+        </a:gradFill>
+        <a:gradFill rotWithShape="1">
+          <a:gsLst>
+            <a:gs pos="0">
+              <a:schemeClr val="phClr">
+                <a:shade val="51000"/>
+                <a:satMod val="130000"/>
+              </a:schemeClr>
+            </a:gs>
+            <a:gs pos="80000">
+              <a:schemeClr val="phClr">
+                <a:shade val="93000"/>
+                <a:satMod val="130000"/>
+              </a:schemeClr>
+            </a:gs>
+            <a:gs pos="100000">
+              <a:schemeClr val="phClr">
+                <a:shade val="94000"/>
+                <a:satMod val="135000"/>
+              </a:schemeClr>
+            </a:gs>
+          </a:gsLst>
+          <a:lin ang="16200000" scaled="0"/>
+        </a:gradFill>
+      </a:fillStyleLst>
+      <a:lnStyleLst>
+        <a:ln w="9525" cap="flat" cmpd="sng" algn="ctr">
+          <a:solidFill>
+            <a:schemeClr val="phClr">
+              <a:shade val="95000"/>
+              <a:satMod val="105000"/>
+            </a:schemeClr>
+          </a:solidFill>
+          <a:prstDash val="solid"/>
+        </a:ln>
+        <a:ln w="25400" cap="flat" cmpd="sng" algn="ctr">
+          <a:solidFill>
+            <a:schemeClr val="phClr"/>
+          </a:solidFill>
+          <a:prstDash val="solid"/>
+        </a:ln>
+        <a:ln w="38100" cap="flat" cmpd="sng" algn="ctr">
+          <a:solidFill>
+            <a:schemeClr val="phClr"/>
+          </a:solidFill>
+          <a:prstDash val="solid"/>
+        </a:ln>
+      </a:lnStyleLst>
+      <a:effectStyleLst>
+        <a:effectStyle>
+          <a:effectLst>
+            <a:outerShdw blurRad="40000" dist="20000" dir="5400000" rotWithShape="0">
+              <a:srgbClr val="000000">
+                <a:alpha val="38000"/>
+              </a:srgbClr>
+            </a:outerShdw>
+          </a:effectLst>
+        </a:effectStyle>
+        <a:effectStyle>
+          <a:effectLst>
+            <a:outerShdw blurRad="40000" dist="23000" dir="5400000" rotWithShape="0">
+              <a:srgbClr val="000000">
+                <a:alpha val="35000"/>
+              </a:srgbClr>
+            </a:outerShdw>
+          </a:effectLst>
+        </a:effectStyle>
+        <a:effectStyle>
+          <a:effectLst>
+            <a:outerShdw blurRad="40000" dist="23000" dir="5400000" rotWithShape="0">
+              <a:srgbClr val="000000">
+                <a:alpha val="35000"/>
+              </a:srgbClr>
+            </a:outerShdw>
+          </a:effectLst>
+          <a:scene3d>
+            <a:camera prst="orthographicFront">
+              <a:rot lat="0" lon="0" rev="0"/>
+            </a:camera>
+            <a:lightRig rig="threePt" dir="t">
+              <a:rot lat="0" lon="0" rev="1200000"/>
+            </a:lightRig>
+          </a:scene3d>
+          <a:sp3d>
+            <a:bevelT w="63500" h="25400"/>
+          </a:sp3d>
+        </a:effectStyle>
+      </a:effectStyleLst>
+      <a:bgFillStyleLst>
+        <a:solidFill>
+          <a:schemeClr val="phClr"/>
+        </a:solidFill>
+        <a:gradFill rotWithShape="1">
+          <a:gsLst>
+            <a:gs pos="0">
+              <a:schemeClr val="phClr">
+                <a:tint val="40000"/>
+                <a:satMod val="350000"/>
+              </a:schemeClr>
+            </a:gs>
+            <a:gs pos="40000">
+              <a:schemeClr val="phClr">
+                <a:tint val="45000"/>
+                <a:shade val="99000"/>
+                <a:satMod val="350000"/>
+              </a:schemeClr>
+            </a:gs>
+            <a:gs pos="100000">
+              <a:schemeClr val="phClr">
+                <a:shade val="20000"/>
+                <a:satMod val="255000"/>
+              </a:schemeClr>
+            </a:gs>
+          </a:gsLst>
+          <a:path path="circle">
+            <a:fillToRect l="50000" t="-80000" r="50000" b="180000"/>
+          </a:path>
+        </a:gradFill>
+        <a:gradFill rotWithShape="1">
+          <a:gsLst>
+            <a:gs pos="0">
+              <a:schemeClr val="phClr">
+                <a:tint val="80000"/>
+                <a:satMod val="300000"/>
+              </a:schemeClr>
+            </a:gs>
+            <a:gs pos="100000">
+              <a:schemeClr val="phClr">
+                <a:shade val="30000"/>
+                <a:satMod val="200000"/>
+              </a:schemeClr>
+            </a:gs>
+          </a:gsLst>
+          <a:path path="circle">
+            <a:fillToRect l="50000" t="50000" r="50000" b="50000"/>
+          </a:path>
+        </a:gradFill>
+      </a:bgFillStyleLst>
+    </a:fmtScheme>
+  </a:themeElements>
+  <a:objectDefaults/>
+  <a:extraClrSchemeLst/>
+</a:theme>
 </file>